--- a/Memorial_Tunnel/Manuscript/Figures/Figures.pptx
+++ b/Memorial_Tunnel/Manuscript/Figures/Figures.pptx
@@ -6,6 +6,7 @@
   </p:sldMasterIdLst>
   <p:sldIdLst>
     <p:sldId id="256" r:id="rId2"/>
+    <p:sldId id="257" r:id="rId3"/>
   </p:sldIdLst>
   <p:sldSz cx="12192000" cy="6858000"/>
   <p:notesSz cx="6858000" cy="9144000"/>
@@ -104,6 +105,11 @@
       </a:defRPr>
     </a:lvl9pPr>
   </p:defaultTextStyle>
+  <p:extLst>
+    <p:ext uri="{EFAFB233-063F-42B5-8137-9DF3F51BA10A}">
+      <p15:sldGuideLst xmlns:p15="http://schemas.microsoft.com/office/powerpoint/2012/main"/>
+    </p:ext>
+  </p:extLst>
 </p:presentation>
 </file>
 
@@ -254,7 +260,7 @@
           <a:p>
             <a:fld id="{8E5B5B6C-CF8F-43E0-8F40-4BCD9B24CC1B}" type="datetimeFigureOut">
               <a:rPr lang="en-US" smtClean="0"/>
-              <a:t>5/4/2025</a:t>
+              <a:t>5/17/2025</a:t>
             </a:fld>
             <a:endParaRPr lang="en-US"/>
           </a:p>
@@ -452,7 +458,7 @@
           <a:p>
             <a:fld id="{8E5B5B6C-CF8F-43E0-8F40-4BCD9B24CC1B}" type="datetimeFigureOut">
               <a:rPr lang="en-US" smtClean="0"/>
-              <a:t>5/4/2025</a:t>
+              <a:t>5/17/2025</a:t>
             </a:fld>
             <a:endParaRPr lang="en-US"/>
           </a:p>
@@ -660,7 +666,7 @@
           <a:p>
             <a:fld id="{8E5B5B6C-CF8F-43E0-8F40-4BCD9B24CC1B}" type="datetimeFigureOut">
               <a:rPr lang="en-US" smtClean="0"/>
-              <a:t>5/4/2025</a:t>
+              <a:t>5/17/2025</a:t>
             </a:fld>
             <a:endParaRPr lang="en-US"/>
           </a:p>
@@ -858,7 +864,7 @@
           <a:p>
             <a:fld id="{8E5B5B6C-CF8F-43E0-8F40-4BCD9B24CC1B}" type="datetimeFigureOut">
               <a:rPr lang="en-US" smtClean="0"/>
-              <a:t>5/4/2025</a:t>
+              <a:t>5/17/2025</a:t>
             </a:fld>
             <a:endParaRPr lang="en-US"/>
           </a:p>
@@ -1133,7 +1139,7 @@
           <a:p>
             <a:fld id="{8E5B5B6C-CF8F-43E0-8F40-4BCD9B24CC1B}" type="datetimeFigureOut">
               <a:rPr lang="en-US" smtClean="0"/>
-              <a:t>5/4/2025</a:t>
+              <a:t>5/17/2025</a:t>
             </a:fld>
             <a:endParaRPr lang="en-US"/>
           </a:p>
@@ -1398,7 +1404,7 @@
           <a:p>
             <a:fld id="{8E5B5B6C-CF8F-43E0-8F40-4BCD9B24CC1B}" type="datetimeFigureOut">
               <a:rPr lang="en-US" smtClean="0"/>
-              <a:t>5/4/2025</a:t>
+              <a:t>5/17/2025</a:t>
             </a:fld>
             <a:endParaRPr lang="en-US"/>
           </a:p>
@@ -1810,7 +1816,7 @@
           <a:p>
             <a:fld id="{8E5B5B6C-CF8F-43E0-8F40-4BCD9B24CC1B}" type="datetimeFigureOut">
               <a:rPr lang="en-US" smtClean="0"/>
-              <a:t>5/4/2025</a:t>
+              <a:t>5/17/2025</a:t>
             </a:fld>
             <a:endParaRPr lang="en-US"/>
           </a:p>
@@ -1951,7 +1957,7 @@
           <a:p>
             <a:fld id="{8E5B5B6C-CF8F-43E0-8F40-4BCD9B24CC1B}" type="datetimeFigureOut">
               <a:rPr lang="en-US" smtClean="0"/>
-              <a:t>5/4/2025</a:t>
+              <a:t>5/17/2025</a:t>
             </a:fld>
             <a:endParaRPr lang="en-US"/>
           </a:p>
@@ -2064,7 +2070,7 @@
           <a:p>
             <a:fld id="{8E5B5B6C-CF8F-43E0-8F40-4BCD9B24CC1B}" type="datetimeFigureOut">
               <a:rPr lang="en-US" smtClean="0"/>
-              <a:t>5/4/2025</a:t>
+              <a:t>5/17/2025</a:t>
             </a:fld>
             <a:endParaRPr lang="en-US"/>
           </a:p>
@@ -2375,7 +2381,7 @@
           <a:p>
             <a:fld id="{8E5B5B6C-CF8F-43E0-8F40-4BCD9B24CC1B}" type="datetimeFigureOut">
               <a:rPr lang="en-US" smtClean="0"/>
-              <a:t>5/4/2025</a:t>
+              <a:t>5/17/2025</a:t>
             </a:fld>
             <a:endParaRPr lang="en-US"/>
           </a:p>
@@ -2663,7 +2669,7 @@
           <a:p>
             <a:fld id="{8E5B5B6C-CF8F-43E0-8F40-4BCD9B24CC1B}" type="datetimeFigureOut">
               <a:rPr lang="en-US" smtClean="0"/>
-              <a:t>5/4/2025</a:t>
+              <a:t>5/17/2025</a:t>
             </a:fld>
             <a:endParaRPr lang="en-US"/>
           </a:p>
@@ -2904,7 +2910,7 @@
           <a:p>
             <a:fld id="{8E5B5B6C-CF8F-43E0-8F40-4BCD9B24CC1B}" type="datetimeFigureOut">
               <a:rPr lang="en-US" smtClean="0"/>
-              <a:t>5/4/2025</a:t>
+              <a:t>5/17/2025</a:t>
             </a:fld>
             <a:endParaRPr lang="en-US"/>
           </a:p>
@@ -4866,6 +4872,4843 @@
 </p:sld>
 </file>
 
+<file path=ppt/slides/slide2.xml><?xml version="1.0" encoding="utf-8"?>
+<p:sld xmlns:a="http://schemas.openxmlformats.org/drawingml/2006/main" xmlns:r="http://schemas.openxmlformats.org/officeDocument/2006/relationships" xmlns:p="http://schemas.openxmlformats.org/presentationml/2006/main">
+  <p:cSld>
+    <p:spTree>
+      <p:nvGrpSpPr>
+        <p:cNvPr id="1" name=""/>
+        <p:cNvGrpSpPr/>
+        <p:nvPr/>
+      </p:nvGrpSpPr>
+      <p:grpSpPr>
+        <a:xfrm>
+          <a:off x="0" y="0"/>
+          <a:ext cx="0" cy="0"/>
+          <a:chOff x="0" y="0"/>
+          <a:chExt cx="0" cy="0"/>
+        </a:xfrm>
+      </p:grpSpPr>
+      <p:sp>
+        <p:nvSpPr>
+          <p:cNvPr id="114" name="TextBox 113">
+            <a:extLst>
+              <a:ext uri="{FF2B5EF4-FFF2-40B4-BE49-F238E27FC236}">
+                <a16:creationId xmlns:a16="http://schemas.microsoft.com/office/drawing/2014/main" id="{5E5BAB67-5943-ABDA-CFC4-095FF10AFA76}"/>
+              </a:ext>
+            </a:extLst>
+          </p:cNvPr>
+          <p:cNvSpPr txBox="1"/>
+          <p:nvPr/>
+        </p:nvSpPr>
+        <p:spPr>
+          <a:xfrm rot="16200000">
+            <a:off x="2714814" y="5505147"/>
+            <a:ext cx="588957" cy="369332"/>
+          </a:xfrm>
+          <a:prstGeom prst="rect">
+            <a:avLst/>
+          </a:prstGeom>
+          <a:noFill/>
+        </p:spPr>
+        <p:txBody>
+          <a:bodyPr wrap="square" rtlCol="0">
+            <a:spAutoFit/>
+          </a:bodyPr>
+          <a:lstStyle/>
+          <a:p>
+            <a:pPr algn="ctr"/>
+            <a:r>
+              <a:rPr lang="en-US" sz="900" dirty="0"/>
+              <a:t>Loop 307</a:t>
+            </a:r>
+          </a:p>
+        </p:txBody>
+      </p:sp>
+      <p:sp>
+        <p:nvSpPr>
+          <p:cNvPr id="118" name="TextBox 117">
+            <a:extLst>
+              <a:ext uri="{FF2B5EF4-FFF2-40B4-BE49-F238E27FC236}">
+                <a16:creationId xmlns:a16="http://schemas.microsoft.com/office/drawing/2014/main" id="{C7C04A2C-1641-BE23-9955-598B0A466545}"/>
+              </a:ext>
+            </a:extLst>
+          </p:cNvPr>
+          <p:cNvSpPr txBox="1"/>
+          <p:nvPr/>
+        </p:nvSpPr>
+        <p:spPr>
+          <a:xfrm rot="16200000">
+            <a:off x="3500627" y="5519919"/>
+            <a:ext cx="588957" cy="369332"/>
+          </a:xfrm>
+          <a:prstGeom prst="rect">
+            <a:avLst/>
+          </a:prstGeom>
+          <a:noFill/>
+        </p:spPr>
+        <p:txBody>
+          <a:bodyPr wrap="square" rtlCol="0">
+            <a:spAutoFit/>
+          </a:bodyPr>
+          <a:lstStyle/>
+          <a:p>
+            <a:pPr algn="ctr"/>
+            <a:r>
+              <a:rPr lang="en-US" sz="900" dirty="0"/>
+              <a:t>Loop 306</a:t>
+            </a:r>
+          </a:p>
+        </p:txBody>
+      </p:sp>
+      <p:sp>
+        <p:nvSpPr>
+          <p:cNvPr id="123" name="TextBox 122">
+            <a:extLst>
+              <a:ext uri="{FF2B5EF4-FFF2-40B4-BE49-F238E27FC236}">
+                <a16:creationId xmlns:a16="http://schemas.microsoft.com/office/drawing/2014/main" id="{527439F7-894C-2058-7C63-50D48162CCBF}"/>
+              </a:ext>
+            </a:extLst>
+          </p:cNvPr>
+          <p:cNvSpPr txBox="1"/>
+          <p:nvPr/>
+        </p:nvSpPr>
+        <p:spPr>
+          <a:xfrm rot="16200000">
+            <a:off x="3946689" y="5506802"/>
+            <a:ext cx="588957" cy="369332"/>
+          </a:xfrm>
+          <a:prstGeom prst="rect">
+            <a:avLst/>
+          </a:prstGeom>
+          <a:noFill/>
+        </p:spPr>
+        <p:txBody>
+          <a:bodyPr wrap="square" rtlCol="0">
+            <a:spAutoFit/>
+          </a:bodyPr>
+          <a:lstStyle/>
+          <a:p>
+            <a:pPr algn="ctr"/>
+            <a:r>
+              <a:rPr lang="en-US" sz="900" dirty="0"/>
+              <a:t>Loop 305</a:t>
+            </a:r>
+          </a:p>
+        </p:txBody>
+      </p:sp>
+      <p:sp>
+        <p:nvSpPr>
+          <p:cNvPr id="125" name="TextBox 124">
+            <a:extLst>
+              <a:ext uri="{FF2B5EF4-FFF2-40B4-BE49-F238E27FC236}">
+                <a16:creationId xmlns:a16="http://schemas.microsoft.com/office/drawing/2014/main" id="{A8C352FF-F0DD-4580-ECFD-F089542A52CC}"/>
+              </a:ext>
+            </a:extLst>
+          </p:cNvPr>
+          <p:cNvSpPr txBox="1"/>
+          <p:nvPr/>
+        </p:nvSpPr>
+        <p:spPr>
+          <a:xfrm rot="16200000">
+            <a:off x="4254517" y="5506802"/>
+            <a:ext cx="588957" cy="369332"/>
+          </a:xfrm>
+          <a:prstGeom prst="rect">
+            <a:avLst/>
+          </a:prstGeom>
+          <a:noFill/>
+        </p:spPr>
+        <p:txBody>
+          <a:bodyPr wrap="square" rtlCol="0">
+            <a:spAutoFit/>
+          </a:bodyPr>
+          <a:lstStyle/>
+          <a:p>
+            <a:pPr algn="ctr"/>
+            <a:r>
+              <a:rPr lang="en-US" sz="900" dirty="0"/>
+              <a:t>Loop 205</a:t>
+            </a:r>
+          </a:p>
+        </p:txBody>
+      </p:sp>
+      <p:sp>
+        <p:nvSpPr>
+          <p:cNvPr id="127" name="TextBox 126">
+            <a:extLst>
+              <a:ext uri="{FF2B5EF4-FFF2-40B4-BE49-F238E27FC236}">
+                <a16:creationId xmlns:a16="http://schemas.microsoft.com/office/drawing/2014/main" id="{AF179994-E0A0-CA8E-07FC-663D104E0339}"/>
+              </a:ext>
+            </a:extLst>
+          </p:cNvPr>
+          <p:cNvSpPr txBox="1"/>
+          <p:nvPr/>
+        </p:nvSpPr>
+        <p:spPr>
+          <a:xfrm rot="16200000">
+            <a:off x="4580375" y="5509492"/>
+            <a:ext cx="588957" cy="369332"/>
+          </a:xfrm>
+          <a:prstGeom prst="rect">
+            <a:avLst/>
+          </a:prstGeom>
+          <a:noFill/>
+        </p:spPr>
+        <p:txBody>
+          <a:bodyPr wrap="square" rtlCol="0">
+            <a:spAutoFit/>
+          </a:bodyPr>
+          <a:lstStyle/>
+          <a:p>
+            <a:pPr algn="ctr"/>
+            <a:r>
+              <a:rPr lang="en-US" sz="900" dirty="0"/>
+              <a:t>Loop 304</a:t>
+            </a:r>
+          </a:p>
+        </p:txBody>
+      </p:sp>
+      <p:sp>
+        <p:nvSpPr>
+          <p:cNvPr id="129" name="TextBox 128">
+            <a:extLst>
+              <a:ext uri="{FF2B5EF4-FFF2-40B4-BE49-F238E27FC236}">
+                <a16:creationId xmlns:a16="http://schemas.microsoft.com/office/drawing/2014/main" id="{E38B8CC8-0D9B-4832-3A82-ED46A5A79BAE}"/>
+              </a:ext>
+            </a:extLst>
+          </p:cNvPr>
+          <p:cNvSpPr txBox="1"/>
+          <p:nvPr/>
+        </p:nvSpPr>
+        <p:spPr>
+          <a:xfrm rot="16200000">
+            <a:off x="4935242" y="5497850"/>
+            <a:ext cx="588957" cy="369332"/>
+          </a:xfrm>
+          <a:prstGeom prst="rect">
+            <a:avLst/>
+          </a:prstGeom>
+          <a:noFill/>
+        </p:spPr>
+        <p:txBody>
+          <a:bodyPr wrap="square" rtlCol="0">
+            <a:spAutoFit/>
+          </a:bodyPr>
+          <a:lstStyle/>
+          <a:p>
+            <a:pPr algn="ctr"/>
+            <a:r>
+              <a:rPr lang="en-US" sz="900" dirty="0"/>
+              <a:t>Loop 303</a:t>
+            </a:r>
+          </a:p>
+        </p:txBody>
+      </p:sp>
+      <p:sp>
+        <p:nvSpPr>
+          <p:cNvPr id="131" name="TextBox 130">
+            <a:extLst>
+              <a:ext uri="{FF2B5EF4-FFF2-40B4-BE49-F238E27FC236}">
+                <a16:creationId xmlns:a16="http://schemas.microsoft.com/office/drawing/2014/main" id="{45ECB94C-B732-48E8-7D40-D30BDEF5265B}"/>
+              </a:ext>
+            </a:extLst>
+          </p:cNvPr>
+          <p:cNvSpPr txBox="1"/>
+          <p:nvPr/>
+        </p:nvSpPr>
+        <p:spPr>
+          <a:xfrm rot="16200000">
+            <a:off x="5864267" y="5503141"/>
+            <a:ext cx="588957" cy="369332"/>
+          </a:xfrm>
+          <a:prstGeom prst="rect">
+            <a:avLst/>
+          </a:prstGeom>
+          <a:noFill/>
+        </p:spPr>
+        <p:txBody>
+          <a:bodyPr wrap="square" rtlCol="0">
+            <a:spAutoFit/>
+          </a:bodyPr>
+          <a:lstStyle/>
+          <a:p>
+            <a:pPr algn="ctr"/>
+            <a:r>
+              <a:rPr lang="en-US" sz="900" dirty="0"/>
+              <a:t>Loop 301</a:t>
+            </a:r>
+          </a:p>
+        </p:txBody>
+      </p:sp>
+      <p:grpSp>
+        <p:nvGrpSpPr>
+          <p:cNvPr id="16" name="Group 15">
+            <a:extLst>
+              <a:ext uri="{FF2B5EF4-FFF2-40B4-BE49-F238E27FC236}">
+                <a16:creationId xmlns:a16="http://schemas.microsoft.com/office/drawing/2014/main" id="{F94D6CD8-386A-7748-0D23-10A17067B6F1}"/>
+              </a:ext>
+            </a:extLst>
+          </p:cNvPr>
+          <p:cNvGrpSpPr/>
+          <p:nvPr/>
+        </p:nvGrpSpPr>
+        <p:grpSpPr>
+          <a:xfrm>
+            <a:off x="2067770" y="598359"/>
+            <a:ext cx="7800296" cy="4978660"/>
+            <a:chOff x="2067770" y="598359"/>
+            <a:chExt cx="7800296" cy="4978660"/>
+          </a:xfrm>
+        </p:grpSpPr>
+        <p:sp>
+          <p:nvSpPr>
+            <p:cNvPr id="4" name="Rectangle 3">
+              <a:extLst>
+                <a:ext uri="{FF2B5EF4-FFF2-40B4-BE49-F238E27FC236}">
+                  <a16:creationId xmlns:a16="http://schemas.microsoft.com/office/drawing/2014/main" id="{3750AA96-D4D1-D6E0-10E8-12677481CBAA}"/>
+                </a:ext>
+              </a:extLst>
+            </p:cNvPr>
+            <p:cNvSpPr/>
+            <p:nvPr/>
+          </p:nvSpPr>
+          <p:spPr>
+            <a:xfrm>
+              <a:off x="2363821" y="1040860"/>
+              <a:ext cx="7208196" cy="1322961"/>
+            </a:xfrm>
+            <a:prstGeom prst="rect">
+              <a:avLst/>
+            </a:prstGeom>
+            <a:noFill/>
+          </p:spPr>
+          <p:style>
+            <a:lnRef idx="2">
+              <a:schemeClr val="dk1"/>
+            </a:lnRef>
+            <a:fillRef idx="1">
+              <a:schemeClr val="lt1"/>
+            </a:fillRef>
+            <a:effectRef idx="0">
+              <a:schemeClr val="dk1"/>
+            </a:effectRef>
+            <a:fontRef idx="minor">
+              <a:schemeClr val="dk1"/>
+            </a:fontRef>
+          </p:style>
+          <p:txBody>
+            <a:bodyPr rtlCol="0" anchor="ctr"/>
+            <a:lstStyle/>
+            <a:p>
+              <a:pPr algn="ctr"/>
+              <a:endParaRPr lang="en-US"/>
+            </a:p>
+          </p:txBody>
+        </p:sp>
+        <p:sp>
+          <p:nvSpPr>
+            <p:cNvPr id="5" name="TextBox 4">
+              <a:extLst>
+                <a:ext uri="{FF2B5EF4-FFF2-40B4-BE49-F238E27FC236}">
+                  <a16:creationId xmlns:a16="http://schemas.microsoft.com/office/drawing/2014/main" id="{2940439A-BB4A-FCA9-E98E-FA095C4AB3BB}"/>
+                </a:ext>
+              </a:extLst>
+            </p:cNvPr>
+            <p:cNvSpPr txBox="1"/>
+            <p:nvPr/>
+          </p:nvSpPr>
+          <p:spPr>
+            <a:xfrm rot="16200000">
+              <a:off x="1539006" y="1558058"/>
+              <a:ext cx="1334528" cy="276999"/>
+            </a:xfrm>
+            <a:prstGeom prst="rect">
+              <a:avLst/>
+            </a:prstGeom>
+            <a:solidFill>
+              <a:schemeClr val="bg1"/>
+            </a:solidFill>
+          </p:spPr>
+          <p:txBody>
+            <a:bodyPr wrap="square" rtlCol="0">
+              <a:spAutoFit/>
+            </a:bodyPr>
+            <a:lstStyle/>
+            <a:p>
+              <a:pPr algn="ctr"/>
+              <a:r>
+                <a:rPr lang="en-US" sz="1200" dirty="0"/>
+                <a:t>North Portal</a:t>
+              </a:r>
+            </a:p>
+          </p:txBody>
+        </p:sp>
+        <p:sp>
+          <p:nvSpPr>
+            <p:cNvPr id="6" name="TextBox 5">
+              <a:extLst>
+                <a:ext uri="{FF2B5EF4-FFF2-40B4-BE49-F238E27FC236}">
+                  <a16:creationId xmlns:a16="http://schemas.microsoft.com/office/drawing/2014/main" id="{ED674C1C-B009-D166-CB9D-D08776D78FD0}"/>
+                </a:ext>
+              </a:extLst>
+            </p:cNvPr>
+            <p:cNvSpPr txBox="1"/>
+            <p:nvPr/>
+          </p:nvSpPr>
+          <p:spPr>
+            <a:xfrm rot="5400000">
+              <a:off x="9062303" y="1558058"/>
+              <a:ext cx="1334528" cy="276999"/>
+            </a:xfrm>
+            <a:prstGeom prst="rect">
+              <a:avLst/>
+            </a:prstGeom>
+            <a:solidFill>
+              <a:schemeClr val="bg1"/>
+            </a:solidFill>
+          </p:spPr>
+          <p:txBody>
+            <a:bodyPr wrap="square" rtlCol="0">
+              <a:spAutoFit/>
+            </a:bodyPr>
+            <a:lstStyle/>
+            <a:p>
+              <a:pPr algn="ctr"/>
+              <a:r>
+                <a:rPr lang="en-US" sz="1200" dirty="0"/>
+                <a:t>South Portal</a:t>
+              </a:r>
+            </a:p>
+          </p:txBody>
+        </p:sp>
+        <p:cxnSp>
+          <p:nvCxnSpPr>
+            <p:cNvPr id="8" name="Straight Connector 7">
+              <a:extLst>
+                <a:ext uri="{FF2B5EF4-FFF2-40B4-BE49-F238E27FC236}">
+                  <a16:creationId xmlns:a16="http://schemas.microsoft.com/office/drawing/2014/main" id="{88B99499-B936-85D0-4CD4-F88972EEAACE}"/>
+                </a:ext>
+              </a:extLst>
+            </p:cNvPr>
+            <p:cNvCxnSpPr>
+              <a:cxnSpLocks/>
+            </p:cNvCxnSpPr>
+            <p:nvPr/>
+          </p:nvCxnSpPr>
+          <p:spPr>
+            <a:xfrm>
+              <a:off x="2529840" y="1029293"/>
+              <a:ext cx="0" cy="1334528"/>
+            </a:xfrm>
+            <a:prstGeom prst="line">
+              <a:avLst/>
+            </a:prstGeom>
+          </p:spPr>
+          <p:style>
+            <a:lnRef idx="2">
+              <a:schemeClr val="accent1"/>
+            </a:lnRef>
+            <a:fillRef idx="0">
+              <a:schemeClr val="accent1"/>
+            </a:fillRef>
+            <a:effectRef idx="1">
+              <a:schemeClr val="accent1"/>
+            </a:effectRef>
+            <a:fontRef idx="minor">
+              <a:schemeClr val="tx1"/>
+            </a:fontRef>
+          </p:style>
+        </p:cxnSp>
+        <p:cxnSp>
+          <p:nvCxnSpPr>
+            <p:cNvPr id="10" name="Straight Connector 9">
+              <a:extLst>
+                <a:ext uri="{FF2B5EF4-FFF2-40B4-BE49-F238E27FC236}">
+                  <a16:creationId xmlns:a16="http://schemas.microsoft.com/office/drawing/2014/main" id="{726B675C-56D8-8280-A2D9-25AF99FECDF1}"/>
+                </a:ext>
+              </a:extLst>
+            </p:cNvPr>
+            <p:cNvCxnSpPr>
+              <a:cxnSpLocks/>
+            </p:cNvCxnSpPr>
+            <p:nvPr/>
+          </p:nvCxnSpPr>
+          <p:spPr>
+            <a:xfrm>
+              <a:off x="3261360" y="1044533"/>
+              <a:ext cx="0" cy="1334528"/>
+            </a:xfrm>
+            <a:prstGeom prst="line">
+              <a:avLst/>
+            </a:prstGeom>
+          </p:spPr>
+          <p:style>
+            <a:lnRef idx="2">
+              <a:schemeClr val="accent1"/>
+            </a:lnRef>
+            <a:fillRef idx="0">
+              <a:schemeClr val="accent1"/>
+            </a:fillRef>
+            <a:effectRef idx="1">
+              <a:schemeClr val="accent1"/>
+            </a:effectRef>
+            <a:fontRef idx="minor">
+              <a:schemeClr val="tx1"/>
+            </a:fontRef>
+          </p:style>
+        </p:cxnSp>
+        <p:cxnSp>
+          <p:nvCxnSpPr>
+            <p:cNvPr id="11" name="Straight Connector 10">
+              <a:extLst>
+                <a:ext uri="{FF2B5EF4-FFF2-40B4-BE49-F238E27FC236}">
+                  <a16:creationId xmlns:a16="http://schemas.microsoft.com/office/drawing/2014/main" id="{89DB84F2-E567-F2DE-4D84-F4CB9231840C}"/>
+                </a:ext>
+              </a:extLst>
+            </p:cNvPr>
+            <p:cNvCxnSpPr>
+              <a:cxnSpLocks/>
+            </p:cNvCxnSpPr>
+            <p:nvPr/>
+          </p:nvCxnSpPr>
+          <p:spPr>
+            <a:xfrm>
+              <a:off x="4152900" y="1029293"/>
+              <a:ext cx="0" cy="1334528"/>
+            </a:xfrm>
+            <a:prstGeom prst="line">
+              <a:avLst/>
+            </a:prstGeom>
+          </p:spPr>
+          <p:style>
+            <a:lnRef idx="2">
+              <a:schemeClr val="accent1"/>
+            </a:lnRef>
+            <a:fillRef idx="0">
+              <a:schemeClr val="accent1"/>
+            </a:fillRef>
+            <a:effectRef idx="1">
+              <a:schemeClr val="accent1"/>
+            </a:effectRef>
+            <a:fontRef idx="minor">
+              <a:schemeClr val="tx1"/>
+            </a:fontRef>
+          </p:style>
+        </p:cxnSp>
+        <p:cxnSp>
+          <p:nvCxnSpPr>
+            <p:cNvPr id="12" name="Straight Connector 11">
+              <a:extLst>
+                <a:ext uri="{FF2B5EF4-FFF2-40B4-BE49-F238E27FC236}">
+                  <a16:creationId xmlns:a16="http://schemas.microsoft.com/office/drawing/2014/main" id="{416120D1-16CE-6A31-A9BE-0B167C4507D2}"/>
+                </a:ext>
+              </a:extLst>
+            </p:cNvPr>
+            <p:cNvCxnSpPr>
+              <a:cxnSpLocks/>
+            </p:cNvCxnSpPr>
+            <p:nvPr/>
+          </p:nvCxnSpPr>
+          <p:spPr>
+            <a:xfrm>
+              <a:off x="5082540" y="1036913"/>
+              <a:ext cx="0" cy="1334528"/>
+            </a:xfrm>
+            <a:prstGeom prst="line">
+              <a:avLst/>
+            </a:prstGeom>
+          </p:spPr>
+          <p:style>
+            <a:lnRef idx="2">
+              <a:schemeClr val="accent1"/>
+            </a:lnRef>
+            <a:fillRef idx="0">
+              <a:schemeClr val="accent1"/>
+            </a:fillRef>
+            <a:effectRef idx="1">
+              <a:schemeClr val="accent1"/>
+            </a:effectRef>
+            <a:fontRef idx="minor">
+              <a:schemeClr val="tx1"/>
+            </a:fontRef>
+          </p:style>
+        </p:cxnSp>
+        <p:cxnSp>
+          <p:nvCxnSpPr>
+            <p:cNvPr id="13" name="Straight Connector 12">
+              <a:extLst>
+                <a:ext uri="{FF2B5EF4-FFF2-40B4-BE49-F238E27FC236}">
+                  <a16:creationId xmlns:a16="http://schemas.microsoft.com/office/drawing/2014/main" id="{8AF9235A-69B3-7E60-F651-3C448508A16D}"/>
+                </a:ext>
+              </a:extLst>
+            </p:cNvPr>
+            <p:cNvCxnSpPr>
+              <a:cxnSpLocks/>
+            </p:cNvCxnSpPr>
+            <p:nvPr/>
+          </p:nvCxnSpPr>
+          <p:spPr>
+            <a:xfrm>
+              <a:off x="5966460" y="1029293"/>
+              <a:ext cx="0" cy="1334528"/>
+            </a:xfrm>
+            <a:prstGeom prst="line">
+              <a:avLst/>
+            </a:prstGeom>
+          </p:spPr>
+          <p:style>
+            <a:lnRef idx="2">
+              <a:schemeClr val="accent1"/>
+            </a:lnRef>
+            <a:fillRef idx="0">
+              <a:schemeClr val="accent1"/>
+            </a:fillRef>
+            <a:effectRef idx="1">
+              <a:schemeClr val="accent1"/>
+            </a:effectRef>
+            <a:fontRef idx="minor">
+              <a:schemeClr val="tx1"/>
+            </a:fontRef>
+          </p:style>
+        </p:cxnSp>
+        <p:cxnSp>
+          <p:nvCxnSpPr>
+            <p:cNvPr id="14" name="Straight Connector 13">
+              <a:extLst>
+                <a:ext uri="{FF2B5EF4-FFF2-40B4-BE49-F238E27FC236}">
+                  <a16:creationId xmlns:a16="http://schemas.microsoft.com/office/drawing/2014/main" id="{9157D71A-D70D-B597-5156-B6DF6D904AD7}"/>
+                </a:ext>
+              </a:extLst>
+            </p:cNvPr>
+            <p:cNvCxnSpPr>
+              <a:cxnSpLocks/>
+            </p:cNvCxnSpPr>
+            <p:nvPr/>
+          </p:nvCxnSpPr>
+          <p:spPr>
+            <a:xfrm>
+              <a:off x="6667500" y="1021673"/>
+              <a:ext cx="0" cy="1334528"/>
+            </a:xfrm>
+            <a:prstGeom prst="line">
+              <a:avLst/>
+            </a:prstGeom>
+          </p:spPr>
+          <p:style>
+            <a:lnRef idx="2">
+              <a:schemeClr val="accent1"/>
+            </a:lnRef>
+            <a:fillRef idx="0">
+              <a:schemeClr val="accent1"/>
+            </a:fillRef>
+            <a:effectRef idx="1">
+              <a:schemeClr val="accent1"/>
+            </a:effectRef>
+            <a:fontRef idx="minor">
+              <a:schemeClr val="tx1"/>
+            </a:fontRef>
+          </p:style>
+        </p:cxnSp>
+        <p:cxnSp>
+          <p:nvCxnSpPr>
+            <p:cNvPr id="15" name="Straight Connector 14">
+              <a:extLst>
+                <a:ext uri="{FF2B5EF4-FFF2-40B4-BE49-F238E27FC236}">
+                  <a16:creationId xmlns:a16="http://schemas.microsoft.com/office/drawing/2014/main" id="{01AAF068-89DC-217C-9ED2-386A8C48A790}"/>
+                </a:ext>
+              </a:extLst>
+            </p:cNvPr>
+            <p:cNvCxnSpPr>
+              <a:cxnSpLocks/>
+            </p:cNvCxnSpPr>
+            <p:nvPr/>
+          </p:nvCxnSpPr>
+          <p:spPr>
+            <a:xfrm>
+              <a:off x="7048500" y="1029293"/>
+              <a:ext cx="0" cy="1334528"/>
+            </a:xfrm>
+            <a:prstGeom prst="line">
+              <a:avLst/>
+            </a:prstGeom>
+          </p:spPr>
+          <p:style>
+            <a:lnRef idx="2">
+              <a:schemeClr val="accent1"/>
+            </a:lnRef>
+            <a:fillRef idx="0">
+              <a:schemeClr val="accent1"/>
+            </a:fillRef>
+            <a:effectRef idx="1">
+              <a:schemeClr val="accent1"/>
+            </a:effectRef>
+            <a:fontRef idx="minor">
+              <a:schemeClr val="tx1"/>
+            </a:fontRef>
+          </p:style>
+        </p:cxnSp>
+        <p:cxnSp>
+          <p:nvCxnSpPr>
+            <p:cNvPr id="17" name="Straight Arrow Connector 16">
+              <a:extLst>
+                <a:ext uri="{FF2B5EF4-FFF2-40B4-BE49-F238E27FC236}">
+                  <a16:creationId xmlns:a16="http://schemas.microsoft.com/office/drawing/2014/main" id="{57D2A9F5-8634-8C77-5C96-5957F6A15EA7}"/>
+                </a:ext>
+              </a:extLst>
+            </p:cNvPr>
+            <p:cNvCxnSpPr>
+              <a:cxnSpLocks/>
+            </p:cNvCxnSpPr>
+            <p:nvPr/>
+          </p:nvCxnSpPr>
+          <p:spPr>
+            <a:xfrm>
+              <a:off x="2363821" y="2620198"/>
+              <a:ext cx="7227246" cy="0"/>
+            </a:xfrm>
+            <a:prstGeom prst="straightConnector1">
+              <a:avLst/>
+            </a:prstGeom>
+            <a:ln w="12700">
+              <a:headEnd type="triangle" w="med" len="med"/>
+              <a:tailEnd type="triangle" w="med" len="med"/>
+            </a:ln>
+          </p:spPr>
+          <p:style>
+            <a:lnRef idx="2">
+              <a:schemeClr val="dk1"/>
+            </a:lnRef>
+            <a:fillRef idx="0">
+              <a:schemeClr val="dk1"/>
+            </a:fillRef>
+            <a:effectRef idx="1">
+              <a:schemeClr val="dk1"/>
+            </a:effectRef>
+            <a:fontRef idx="minor">
+              <a:schemeClr val="tx1"/>
+            </a:fontRef>
+          </p:style>
+        </p:cxnSp>
+        <p:cxnSp>
+          <p:nvCxnSpPr>
+            <p:cNvPr id="23" name="Straight Connector 22">
+              <a:extLst>
+                <a:ext uri="{FF2B5EF4-FFF2-40B4-BE49-F238E27FC236}">
+                  <a16:creationId xmlns:a16="http://schemas.microsoft.com/office/drawing/2014/main" id="{3C583705-D314-9A1A-3741-22ABF90651ED}"/>
+                </a:ext>
+              </a:extLst>
+            </p:cNvPr>
+            <p:cNvCxnSpPr>
+              <a:cxnSpLocks/>
+            </p:cNvCxnSpPr>
+            <p:nvPr/>
+          </p:nvCxnSpPr>
+          <p:spPr>
+            <a:xfrm>
+              <a:off x="2533015" y="2416175"/>
+              <a:ext cx="0" cy="323850"/>
+            </a:xfrm>
+            <a:prstGeom prst="line">
+              <a:avLst/>
+            </a:prstGeom>
+          </p:spPr>
+          <p:style>
+            <a:lnRef idx="2">
+              <a:schemeClr val="dk1"/>
+            </a:lnRef>
+            <a:fillRef idx="0">
+              <a:schemeClr val="dk1"/>
+            </a:fillRef>
+            <a:effectRef idx="1">
+              <a:schemeClr val="dk1"/>
+            </a:effectRef>
+            <a:fontRef idx="minor">
+              <a:schemeClr val="tx1"/>
+            </a:fontRef>
+          </p:style>
+        </p:cxnSp>
+        <p:cxnSp>
+          <p:nvCxnSpPr>
+            <p:cNvPr id="25" name="Straight Connector 24">
+              <a:extLst>
+                <a:ext uri="{FF2B5EF4-FFF2-40B4-BE49-F238E27FC236}">
+                  <a16:creationId xmlns:a16="http://schemas.microsoft.com/office/drawing/2014/main" id="{6E4B6514-72C2-F75B-5B0D-D346FEA34BF8}"/>
+                </a:ext>
+              </a:extLst>
+            </p:cNvPr>
+            <p:cNvCxnSpPr>
+              <a:cxnSpLocks/>
+            </p:cNvCxnSpPr>
+            <p:nvPr/>
+          </p:nvCxnSpPr>
+          <p:spPr>
+            <a:xfrm>
+              <a:off x="3263265" y="2419350"/>
+              <a:ext cx="0" cy="323850"/>
+            </a:xfrm>
+            <a:prstGeom prst="line">
+              <a:avLst/>
+            </a:prstGeom>
+          </p:spPr>
+          <p:style>
+            <a:lnRef idx="2">
+              <a:schemeClr val="dk1"/>
+            </a:lnRef>
+            <a:fillRef idx="0">
+              <a:schemeClr val="dk1"/>
+            </a:fillRef>
+            <a:effectRef idx="1">
+              <a:schemeClr val="dk1"/>
+            </a:effectRef>
+            <a:fontRef idx="minor">
+              <a:schemeClr val="tx1"/>
+            </a:fontRef>
+          </p:style>
+        </p:cxnSp>
+        <p:cxnSp>
+          <p:nvCxnSpPr>
+            <p:cNvPr id="26" name="Straight Connector 25">
+              <a:extLst>
+                <a:ext uri="{FF2B5EF4-FFF2-40B4-BE49-F238E27FC236}">
+                  <a16:creationId xmlns:a16="http://schemas.microsoft.com/office/drawing/2014/main" id="{4E275C6D-3BBA-7E72-22AA-A037AA76416E}"/>
+                </a:ext>
+              </a:extLst>
+            </p:cNvPr>
+            <p:cNvCxnSpPr>
+              <a:cxnSpLocks/>
+            </p:cNvCxnSpPr>
+            <p:nvPr/>
+          </p:nvCxnSpPr>
+          <p:spPr>
+            <a:xfrm>
+              <a:off x="4155440" y="2394936"/>
+              <a:ext cx="0" cy="323850"/>
+            </a:xfrm>
+            <a:prstGeom prst="line">
+              <a:avLst/>
+            </a:prstGeom>
+          </p:spPr>
+          <p:style>
+            <a:lnRef idx="2">
+              <a:schemeClr val="dk1"/>
+            </a:lnRef>
+            <a:fillRef idx="0">
+              <a:schemeClr val="dk1"/>
+            </a:fillRef>
+            <a:effectRef idx="1">
+              <a:schemeClr val="dk1"/>
+            </a:effectRef>
+            <a:fontRef idx="minor">
+              <a:schemeClr val="tx1"/>
+            </a:fontRef>
+          </p:style>
+        </p:cxnSp>
+        <p:cxnSp>
+          <p:nvCxnSpPr>
+            <p:cNvPr id="27" name="Straight Connector 26">
+              <a:extLst>
+                <a:ext uri="{FF2B5EF4-FFF2-40B4-BE49-F238E27FC236}">
+                  <a16:creationId xmlns:a16="http://schemas.microsoft.com/office/drawing/2014/main" id="{894C8A69-D62A-16B0-C57F-E6E796187C45}"/>
+                </a:ext>
+              </a:extLst>
+            </p:cNvPr>
+            <p:cNvCxnSpPr>
+              <a:cxnSpLocks/>
+            </p:cNvCxnSpPr>
+            <p:nvPr/>
+          </p:nvCxnSpPr>
+          <p:spPr>
+            <a:xfrm>
+              <a:off x="5082540" y="2394936"/>
+              <a:ext cx="0" cy="323850"/>
+            </a:xfrm>
+            <a:prstGeom prst="line">
+              <a:avLst/>
+            </a:prstGeom>
+          </p:spPr>
+          <p:style>
+            <a:lnRef idx="2">
+              <a:schemeClr val="dk1"/>
+            </a:lnRef>
+            <a:fillRef idx="0">
+              <a:schemeClr val="dk1"/>
+            </a:fillRef>
+            <a:effectRef idx="1">
+              <a:schemeClr val="dk1"/>
+            </a:effectRef>
+            <a:fontRef idx="minor">
+              <a:schemeClr val="tx1"/>
+            </a:fontRef>
+          </p:style>
+        </p:cxnSp>
+        <p:sp>
+          <p:nvSpPr>
+            <p:cNvPr id="28" name="TextBox 27">
+              <a:extLst>
+                <a:ext uri="{FF2B5EF4-FFF2-40B4-BE49-F238E27FC236}">
+                  <a16:creationId xmlns:a16="http://schemas.microsoft.com/office/drawing/2014/main" id="{ABA60A47-6A06-5DC4-54A3-5862850E1B14}"/>
+                </a:ext>
+              </a:extLst>
+            </p:cNvPr>
+            <p:cNvSpPr txBox="1"/>
+            <p:nvPr/>
+          </p:nvSpPr>
+          <p:spPr>
+            <a:xfrm rot="16200000">
+              <a:off x="2245495" y="2909840"/>
+              <a:ext cx="588957" cy="369332"/>
+            </a:xfrm>
+            <a:prstGeom prst="rect">
+              <a:avLst/>
+            </a:prstGeom>
+            <a:noFill/>
+          </p:spPr>
+          <p:txBody>
+            <a:bodyPr wrap="square" rtlCol="0">
+              <a:spAutoFit/>
+            </a:bodyPr>
+            <a:lstStyle/>
+            <a:p>
+              <a:pPr algn="ctr"/>
+              <a:r>
+                <a:rPr lang="en-US" sz="900" dirty="0"/>
+                <a:t>Loop 214</a:t>
+              </a:r>
+            </a:p>
+          </p:txBody>
+        </p:sp>
+        <p:sp>
+          <p:nvSpPr>
+            <p:cNvPr id="31" name="TextBox 30">
+              <a:extLst>
+                <a:ext uri="{FF2B5EF4-FFF2-40B4-BE49-F238E27FC236}">
+                  <a16:creationId xmlns:a16="http://schemas.microsoft.com/office/drawing/2014/main" id="{8858A162-158D-1F6B-B4F1-25E718F7E890}"/>
+                </a:ext>
+              </a:extLst>
+            </p:cNvPr>
+            <p:cNvSpPr txBox="1"/>
+            <p:nvPr/>
+          </p:nvSpPr>
+          <p:spPr>
+            <a:xfrm>
+              <a:off x="2290425" y="2731036"/>
+              <a:ext cx="519112" cy="215444"/>
+            </a:xfrm>
+            <a:prstGeom prst="rect">
+              <a:avLst/>
+            </a:prstGeom>
+            <a:noFill/>
+          </p:spPr>
+          <p:txBody>
+            <a:bodyPr wrap="square" rtlCol="0">
+              <a:spAutoFit/>
+            </a:bodyPr>
+            <a:lstStyle/>
+            <a:p>
+              <a:pPr algn="ctr"/>
+              <a:r>
+                <a:rPr lang="en-US" sz="800" b="1" dirty="0"/>
+                <a:t>20 m</a:t>
+              </a:r>
+            </a:p>
+          </p:txBody>
+        </p:sp>
+        <p:sp>
+          <p:nvSpPr>
+            <p:cNvPr id="32" name="TextBox 31">
+              <a:extLst>
+                <a:ext uri="{FF2B5EF4-FFF2-40B4-BE49-F238E27FC236}">
+                  <a16:creationId xmlns:a16="http://schemas.microsoft.com/office/drawing/2014/main" id="{46A1D546-AA4E-2912-5204-B260B84D2C84}"/>
+                </a:ext>
+              </a:extLst>
+            </p:cNvPr>
+            <p:cNvSpPr txBox="1"/>
+            <p:nvPr/>
+          </p:nvSpPr>
+          <p:spPr>
+            <a:xfrm rot="16200000">
+              <a:off x="2978110" y="2917198"/>
+              <a:ext cx="588957" cy="369332"/>
+            </a:xfrm>
+            <a:prstGeom prst="rect">
+              <a:avLst/>
+            </a:prstGeom>
+            <a:noFill/>
+          </p:spPr>
+          <p:txBody>
+            <a:bodyPr wrap="square" rtlCol="0">
+              <a:spAutoFit/>
+            </a:bodyPr>
+            <a:lstStyle/>
+            <a:p>
+              <a:pPr algn="ctr"/>
+              <a:r>
+                <a:rPr lang="en-US" sz="900" dirty="0"/>
+                <a:t>Loop 213</a:t>
+              </a:r>
+            </a:p>
+          </p:txBody>
+        </p:sp>
+        <p:sp>
+          <p:nvSpPr>
+            <p:cNvPr id="33" name="TextBox 32">
+              <a:extLst>
+                <a:ext uri="{FF2B5EF4-FFF2-40B4-BE49-F238E27FC236}">
+                  <a16:creationId xmlns:a16="http://schemas.microsoft.com/office/drawing/2014/main" id="{3974D1BE-5024-1E60-23FC-83CA28132727}"/>
+                </a:ext>
+              </a:extLst>
+            </p:cNvPr>
+            <p:cNvSpPr txBox="1"/>
+            <p:nvPr/>
+          </p:nvSpPr>
+          <p:spPr>
+            <a:xfrm>
+              <a:off x="2999159" y="2728714"/>
+              <a:ext cx="519112" cy="215444"/>
+            </a:xfrm>
+            <a:prstGeom prst="rect">
+              <a:avLst/>
+            </a:prstGeom>
+            <a:noFill/>
+          </p:spPr>
+          <p:txBody>
+            <a:bodyPr wrap="square" rtlCol="0">
+              <a:spAutoFit/>
+            </a:bodyPr>
+            <a:lstStyle/>
+            <a:p>
+              <a:pPr algn="ctr"/>
+              <a:r>
+                <a:rPr lang="en-US" sz="800" b="1" dirty="0"/>
+                <a:t>106 m</a:t>
+              </a:r>
+            </a:p>
+          </p:txBody>
+        </p:sp>
+        <p:sp>
+          <p:nvSpPr>
+            <p:cNvPr id="34" name="TextBox 33">
+              <a:extLst>
+                <a:ext uri="{FF2B5EF4-FFF2-40B4-BE49-F238E27FC236}">
+                  <a16:creationId xmlns:a16="http://schemas.microsoft.com/office/drawing/2014/main" id="{B3DD8689-EEFF-8CFE-EBD7-2310C0861B50}"/>
+                </a:ext>
+              </a:extLst>
+            </p:cNvPr>
+            <p:cNvSpPr txBox="1"/>
+            <p:nvPr/>
+          </p:nvSpPr>
+          <p:spPr>
+            <a:xfrm rot="16200000">
+              <a:off x="3863665" y="2892676"/>
+              <a:ext cx="588957" cy="369332"/>
+            </a:xfrm>
+            <a:prstGeom prst="rect">
+              <a:avLst/>
+            </a:prstGeom>
+            <a:noFill/>
+          </p:spPr>
+          <p:txBody>
+            <a:bodyPr wrap="square" rtlCol="0">
+              <a:spAutoFit/>
+            </a:bodyPr>
+            <a:lstStyle/>
+            <a:p>
+              <a:pPr algn="ctr"/>
+              <a:r>
+                <a:rPr lang="en-US" sz="900" dirty="0"/>
+                <a:t>Loop 211</a:t>
+              </a:r>
+            </a:p>
+          </p:txBody>
+        </p:sp>
+        <p:sp>
+          <p:nvSpPr>
+            <p:cNvPr id="35" name="TextBox 34">
+              <a:extLst>
+                <a:ext uri="{FF2B5EF4-FFF2-40B4-BE49-F238E27FC236}">
+                  <a16:creationId xmlns:a16="http://schemas.microsoft.com/office/drawing/2014/main" id="{09172308-FB18-1CE9-CBBA-F01BD2CA4581}"/>
+                </a:ext>
+              </a:extLst>
+            </p:cNvPr>
+            <p:cNvSpPr txBox="1"/>
+            <p:nvPr/>
+          </p:nvSpPr>
+          <p:spPr>
+            <a:xfrm>
+              <a:off x="3894740" y="2729316"/>
+              <a:ext cx="519112" cy="215444"/>
+            </a:xfrm>
+            <a:prstGeom prst="rect">
+              <a:avLst/>
+            </a:prstGeom>
+            <a:noFill/>
+          </p:spPr>
+          <p:txBody>
+            <a:bodyPr wrap="square" rtlCol="0">
+              <a:spAutoFit/>
+            </a:bodyPr>
+            <a:lstStyle/>
+            <a:p>
+              <a:pPr algn="ctr"/>
+              <a:r>
+                <a:rPr lang="en-US" sz="800" b="1" dirty="0"/>
+                <a:t>211 m</a:t>
+              </a:r>
+            </a:p>
+          </p:txBody>
+        </p:sp>
+        <p:sp>
+          <p:nvSpPr>
+            <p:cNvPr id="36" name="TextBox 35">
+              <a:extLst>
+                <a:ext uri="{FF2B5EF4-FFF2-40B4-BE49-F238E27FC236}">
+                  <a16:creationId xmlns:a16="http://schemas.microsoft.com/office/drawing/2014/main" id="{A855F267-038B-5A4E-567E-78E1E921ADF3}"/>
+                </a:ext>
+              </a:extLst>
+            </p:cNvPr>
+            <p:cNvSpPr txBox="1"/>
+            <p:nvPr/>
+          </p:nvSpPr>
+          <p:spPr>
+            <a:xfrm rot="16200000">
+              <a:off x="4795776" y="2909841"/>
+              <a:ext cx="588957" cy="369332"/>
+            </a:xfrm>
+            <a:prstGeom prst="rect">
+              <a:avLst/>
+            </a:prstGeom>
+            <a:noFill/>
+          </p:spPr>
+          <p:txBody>
+            <a:bodyPr wrap="square" rtlCol="0">
+              <a:spAutoFit/>
+            </a:bodyPr>
+            <a:lstStyle/>
+            <a:p>
+              <a:pPr algn="ctr"/>
+              <a:r>
+                <a:rPr lang="en-US" sz="900" dirty="0"/>
+                <a:t>Loop 209</a:t>
+              </a:r>
+            </a:p>
+          </p:txBody>
+        </p:sp>
+        <p:sp>
+          <p:nvSpPr>
+            <p:cNvPr id="37" name="TextBox 36">
+              <a:extLst>
+                <a:ext uri="{FF2B5EF4-FFF2-40B4-BE49-F238E27FC236}">
+                  <a16:creationId xmlns:a16="http://schemas.microsoft.com/office/drawing/2014/main" id="{7FA5BD30-3854-0614-1C42-F4FB36CE5615}"/>
+                </a:ext>
+              </a:extLst>
+            </p:cNvPr>
+            <p:cNvSpPr txBox="1"/>
+            <p:nvPr/>
+          </p:nvSpPr>
+          <p:spPr>
+            <a:xfrm>
+              <a:off x="4833180" y="2734882"/>
+              <a:ext cx="519112" cy="215444"/>
+            </a:xfrm>
+            <a:prstGeom prst="rect">
+              <a:avLst/>
+            </a:prstGeom>
+            <a:noFill/>
+          </p:spPr>
+          <p:txBody>
+            <a:bodyPr wrap="square" rtlCol="0">
+              <a:spAutoFit/>
+            </a:bodyPr>
+            <a:lstStyle/>
+            <a:p>
+              <a:pPr algn="ctr"/>
+              <a:r>
+                <a:rPr lang="en-US" sz="800" b="1" dirty="0"/>
+                <a:t>321 m</a:t>
+              </a:r>
+            </a:p>
+          </p:txBody>
+        </p:sp>
+        <p:sp>
+          <p:nvSpPr>
+            <p:cNvPr id="38" name="Oval 37">
+              <a:extLst>
+                <a:ext uri="{FF2B5EF4-FFF2-40B4-BE49-F238E27FC236}">
+                  <a16:creationId xmlns:a16="http://schemas.microsoft.com/office/drawing/2014/main" id="{0469B4B7-D7BC-0FDC-42EA-6BC3B1AE558F}"/>
+                </a:ext>
+              </a:extLst>
+            </p:cNvPr>
+            <p:cNvSpPr/>
+            <p:nvPr/>
+          </p:nvSpPr>
+          <p:spPr>
+            <a:xfrm>
+              <a:off x="2435203" y="2047836"/>
+              <a:ext cx="209541" cy="236375"/>
+            </a:xfrm>
+            <a:prstGeom prst="ellipse">
+              <a:avLst/>
+            </a:prstGeom>
+          </p:spPr>
+          <p:style>
+            <a:lnRef idx="2">
+              <a:schemeClr val="accent1">
+                <a:shade val="15000"/>
+              </a:schemeClr>
+            </a:lnRef>
+            <a:fillRef idx="1">
+              <a:schemeClr val="accent1"/>
+            </a:fillRef>
+            <a:effectRef idx="0">
+              <a:schemeClr val="accent1"/>
+            </a:effectRef>
+            <a:fontRef idx="minor">
+              <a:schemeClr val="lt1"/>
+            </a:fontRef>
+          </p:style>
+          <p:txBody>
+            <a:bodyPr rtlCol="0" anchor="ctr"/>
+            <a:lstStyle/>
+            <a:p>
+              <a:pPr algn="ctr"/>
+              <a:r>
+                <a:rPr lang="en-US" dirty="0"/>
+                <a:t>T</a:t>
+              </a:r>
+            </a:p>
+          </p:txBody>
+        </p:sp>
+        <p:sp>
+          <p:nvSpPr>
+            <p:cNvPr id="39" name="Oval 38">
+              <a:extLst>
+                <a:ext uri="{FF2B5EF4-FFF2-40B4-BE49-F238E27FC236}">
+                  <a16:creationId xmlns:a16="http://schemas.microsoft.com/office/drawing/2014/main" id="{0FBD7796-BBDB-F9CE-4842-EEBBD3E1001C}"/>
+                </a:ext>
+              </a:extLst>
+            </p:cNvPr>
+            <p:cNvSpPr/>
+            <p:nvPr/>
+          </p:nvSpPr>
+          <p:spPr>
+            <a:xfrm>
+              <a:off x="2430499" y="1761846"/>
+              <a:ext cx="209541" cy="236375"/>
+            </a:xfrm>
+            <a:prstGeom prst="ellipse">
+              <a:avLst/>
+            </a:prstGeom>
+          </p:spPr>
+          <p:style>
+            <a:lnRef idx="2">
+              <a:schemeClr val="accent1">
+                <a:shade val="15000"/>
+              </a:schemeClr>
+            </a:lnRef>
+            <a:fillRef idx="1">
+              <a:schemeClr val="accent1"/>
+            </a:fillRef>
+            <a:effectRef idx="0">
+              <a:schemeClr val="accent1"/>
+            </a:effectRef>
+            <a:fontRef idx="minor">
+              <a:schemeClr val="lt1"/>
+            </a:fontRef>
+          </p:style>
+          <p:txBody>
+            <a:bodyPr rtlCol="0" anchor="ctr"/>
+            <a:lstStyle/>
+            <a:p>
+              <a:pPr algn="ctr"/>
+              <a:r>
+                <a:rPr lang="en-US" dirty="0"/>
+                <a:t>V</a:t>
+              </a:r>
+            </a:p>
+          </p:txBody>
+        </p:sp>
+        <p:sp>
+          <p:nvSpPr>
+            <p:cNvPr id="40" name="Oval 39">
+              <a:extLst>
+                <a:ext uri="{FF2B5EF4-FFF2-40B4-BE49-F238E27FC236}">
+                  <a16:creationId xmlns:a16="http://schemas.microsoft.com/office/drawing/2014/main" id="{C1F52AE0-C9DD-30D8-49AC-88FEEE2D4F6A}"/>
+                </a:ext>
+              </a:extLst>
+            </p:cNvPr>
+            <p:cNvSpPr/>
+            <p:nvPr/>
+          </p:nvSpPr>
+          <p:spPr>
+            <a:xfrm>
+              <a:off x="3157625" y="2043612"/>
+              <a:ext cx="209541" cy="236375"/>
+            </a:xfrm>
+            <a:prstGeom prst="ellipse">
+              <a:avLst/>
+            </a:prstGeom>
+          </p:spPr>
+          <p:style>
+            <a:lnRef idx="2">
+              <a:schemeClr val="accent1">
+                <a:shade val="15000"/>
+              </a:schemeClr>
+            </a:lnRef>
+            <a:fillRef idx="1">
+              <a:schemeClr val="accent1"/>
+            </a:fillRef>
+            <a:effectRef idx="0">
+              <a:schemeClr val="accent1"/>
+            </a:effectRef>
+            <a:fontRef idx="minor">
+              <a:schemeClr val="lt1"/>
+            </a:fontRef>
+          </p:style>
+          <p:txBody>
+            <a:bodyPr rtlCol="0" anchor="ctr"/>
+            <a:lstStyle/>
+            <a:p>
+              <a:pPr algn="ctr"/>
+              <a:r>
+                <a:rPr lang="en-US" dirty="0"/>
+                <a:t>T</a:t>
+              </a:r>
+            </a:p>
+          </p:txBody>
+        </p:sp>
+        <p:sp>
+          <p:nvSpPr>
+            <p:cNvPr id="41" name="Oval 40">
+              <a:extLst>
+                <a:ext uri="{FF2B5EF4-FFF2-40B4-BE49-F238E27FC236}">
+                  <a16:creationId xmlns:a16="http://schemas.microsoft.com/office/drawing/2014/main" id="{F0BFA28F-0B15-9C71-F01F-960BCB2F8C7B}"/>
+                </a:ext>
+              </a:extLst>
+            </p:cNvPr>
+            <p:cNvSpPr/>
+            <p:nvPr/>
+          </p:nvSpPr>
+          <p:spPr>
+            <a:xfrm>
+              <a:off x="4048129" y="2043612"/>
+              <a:ext cx="209541" cy="236375"/>
+            </a:xfrm>
+            <a:prstGeom prst="ellipse">
+              <a:avLst/>
+            </a:prstGeom>
+          </p:spPr>
+          <p:style>
+            <a:lnRef idx="2">
+              <a:schemeClr val="accent1">
+                <a:shade val="15000"/>
+              </a:schemeClr>
+            </a:lnRef>
+            <a:fillRef idx="1">
+              <a:schemeClr val="accent1"/>
+            </a:fillRef>
+            <a:effectRef idx="0">
+              <a:schemeClr val="accent1"/>
+            </a:effectRef>
+            <a:fontRef idx="minor">
+              <a:schemeClr val="lt1"/>
+            </a:fontRef>
+          </p:style>
+          <p:txBody>
+            <a:bodyPr rtlCol="0" anchor="ctr"/>
+            <a:lstStyle/>
+            <a:p>
+              <a:pPr algn="ctr"/>
+              <a:r>
+                <a:rPr lang="en-US" dirty="0"/>
+                <a:t>T</a:t>
+              </a:r>
+            </a:p>
+          </p:txBody>
+        </p:sp>
+        <p:sp>
+          <p:nvSpPr>
+            <p:cNvPr id="42" name="Oval 41">
+              <a:extLst>
+                <a:ext uri="{FF2B5EF4-FFF2-40B4-BE49-F238E27FC236}">
+                  <a16:creationId xmlns:a16="http://schemas.microsoft.com/office/drawing/2014/main" id="{70982EC0-454E-8A21-E567-2EC667D8E921}"/>
+                </a:ext>
+              </a:extLst>
+            </p:cNvPr>
+            <p:cNvSpPr/>
+            <p:nvPr/>
+          </p:nvSpPr>
+          <p:spPr>
+            <a:xfrm>
+              <a:off x="4985484" y="2037992"/>
+              <a:ext cx="209541" cy="236375"/>
+            </a:xfrm>
+            <a:prstGeom prst="ellipse">
+              <a:avLst/>
+            </a:prstGeom>
+          </p:spPr>
+          <p:style>
+            <a:lnRef idx="2">
+              <a:schemeClr val="accent1">
+                <a:shade val="15000"/>
+              </a:schemeClr>
+            </a:lnRef>
+            <a:fillRef idx="1">
+              <a:schemeClr val="accent1"/>
+            </a:fillRef>
+            <a:effectRef idx="0">
+              <a:schemeClr val="accent1"/>
+            </a:effectRef>
+            <a:fontRef idx="minor">
+              <a:schemeClr val="lt1"/>
+            </a:fontRef>
+          </p:style>
+          <p:txBody>
+            <a:bodyPr rtlCol="0" anchor="ctr"/>
+            <a:lstStyle/>
+            <a:p>
+              <a:pPr algn="ctr"/>
+              <a:r>
+                <a:rPr lang="en-US" dirty="0"/>
+                <a:t>T</a:t>
+              </a:r>
+            </a:p>
+          </p:txBody>
+        </p:sp>
+        <p:sp>
+          <p:nvSpPr>
+            <p:cNvPr id="43" name="Oval 42">
+              <a:extLst>
+                <a:ext uri="{FF2B5EF4-FFF2-40B4-BE49-F238E27FC236}">
+                  <a16:creationId xmlns:a16="http://schemas.microsoft.com/office/drawing/2014/main" id="{B53248D2-00A0-A71C-4557-FF1D967CE1CD}"/>
+                </a:ext>
+              </a:extLst>
+            </p:cNvPr>
+            <p:cNvSpPr/>
+            <p:nvPr/>
+          </p:nvSpPr>
+          <p:spPr>
+            <a:xfrm>
+              <a:off x="4973065" y="1764481"/>
+              <a:ext cx="209541" cy="236375"/>
+            </a:xfrm>
+            <a:prstGeom prst="ellipse">
+              <a:avLst/>
+            </a:prstGeom>
+          </p:spPr>
+          <p:style>
+            <a:lnRef idx="2">
+              <a:schemeClr val="accent1">
+                <a:shade val="15000"/>
+              </a:schemeClr>
+            </a:lnRef>
+            <a:fillRef idx="1">
+              <a:schemeClr val="accent1"/>
+            </a:fillRef>
+            <a:effectRef idx="0">
+              <a:schemeClr val="accent1"/>
+            </a:effectRef>
+            <a:fontRef idx="minor">
+              <a:schemeClr val="lt1"/>
+            </a:fontRef>
+          </p:style>
+          <p:txBody>
+            <a:bodyPr rtlCol="0" anchor="ctr"/>
+            <a:lstStyle/>
+            <a:p>
+              <a:pPr algn="ctr"/>
+              <a:r>
+                <a:rPr lang="en-US" dirty="0"/>
+                <a:t>V</a:t>
+              </a:r>
+            </a:p>
+          </p:txBody>
+        </p:sp>
+        <p:sp>
+          <p:nvSpPr>
+            <p:cNvPr id="44" name="TextBox 43">
+              <a:extLst>
+                <a:ext uri="{FF2B5EF4-FFF2-40B4-BE49-F238E27FC236}">
+                  <a16:creationId xmlns:a16="http://schemas.microsoft.com/office/drawing/2014/main" id="{378FA6F3-89E6-41DA-D409-F195DC7628FA}"/>
+                </a:ext>
+              </a:extLst>
+            </p:cNvPr>
+            <p:cNvSpPr txBox="1"/>
+            <p:nvPr/>
+          </p:nvSpPr>
+          <p:spPr>
+            <a:xfrm rot="16200000">
+              <a:off x="5671670" y="2916139"/>
+              <a:ext cx="588957" cy="369332"/>
+            </a:xfrm>
+            <a:prstGeom prst="rect">
+              <a:avLst/>
+            </a:prstGeom>
+            <a:noFill/>
+          </p:spPr>
+          <p:txBody>
+            <a:bodyPr wrap="square" rtlCol="0">
+              <a:spAutoFit/>
+            </a:bodyPr>
+            <a:lstStyle/>
+            <a:p>
+              <a:pPr algn="ctr"/>
+              <a:r>
+                <a:rPr lang="en-US" sz="900" dirty="0"/>
+                <a:t>Loop 208</a:t>
+              </a:r>
+            </a:p>
+          </p:txBody>
+        </p:sp>
+        <p:sp>
+          <p:nvSpPr>
+            <p:cNvPr id="45" name="TextBox 44">
+              <a:extLst>
+                <a:ext uri="{FF2B5EF4-FFF2-40B4-BE49-F238E27FC236}">
+                  <a16:creationId xmlns:a16="http://schemas.microsoft.com/office/drawing/2014/main" id="{6AA01610-B3B3-B312-9DE8-A0CDF597FA46}"/>
+                </a:ext>
+              </a:extLst>
+            </p:cNvPr>
+            <p:cNvSpPr txBox="1"/>
+            <p:nvPr/>
+          </p:nvSpPr>
+          <p:spPr>
+            <a:xfrm>
+              <a:off x="5721339" y="2753128"/>
+              <a:ext cx="519112" cy="215444"/>
+            </a:xfrm>
+            <a:prstGeom prst="rect">
+              <a:avLst/>
+            </a:prstGeom>
+            <a:noFill/>
+          </p:spPr>
+          <p:txBody>
+            <a:bodyPr wrap="square" rtlCol="0">
+              <a:spAutoFit/>
+            </a:bodyPr>
+            <a:lstStyle/>
+            <a:p>
+              <a:pPr algn="ctr"/>
+              <a:r>
+                <a:rPr lang="en-US" sz="800" b="1" dirty="0"/>
+                <a:t>426 m</a:t>
+              </a:r>
+            </a:p>
+          </p:txBody>
+        </p:sp>
+        <p:sp>
+          <p:nvSpPr>
+            <p:cNvPr id="46" name="Oval 45">
+              <a:extLst>
+                <a:ext uri="{FF2B5EF4-FFF2-40B4-BE49-F238E27FC236}">
+                  <a16:creationId xmlns:a16="http://schemas.microsoft.com/office/drawing/2014/main" id="{8D963AAD-2B5F-CA62-3AA8-68656EB9B620}"/>
+                </a:ext>
+              </a:extLst>
+            </p:cNvPr>
+            <p:cNvSpPr/>
+            <p:nvPr/>
+          </p:nvSpPr>
+          <p:spPr>
+            <a:xfrm>
+              <a:off x="5881728" y="2068372"/>
+              <a:ext cx="209541" cy="236375"/>
+            </a:xfrm>
+            <a:prstGeom prst="ellipse">
+              <a:avLst/>
+            </a:prstGeom>
+          </p:spPr>
+          <p:style>
+            <a:lnRef idx="2">
+              <a:schemeClr val="accent1">
+                <a:shade val="15000"/>
+              </a:schemeClr>
+            </a:lnRef>
+            <a:fillRef idx="1">
+              <a:schemeClr val="accent1"/>
+            </a:fillRef>
+            <a:effectRef idx="0">
+              <a:schemeClr val="accent1"/>
+            </a:effectRef>
+            <a:fontRef idx="minor">
+              <a:schemeClr val="lt1"/>
+            </a:fontRef>
+          </p:style>
+          <p:txBody>
+            <a:bodyPr rtlCol="0" anchor="ctr"/>
+            <a:lstStyle/>
+            <a:p>
+              <a:pPr algn="ctr"/>
+              <a:r>
+                <a:rPr lang="en-US" dirty="0"/>
+                <a:t>T</a:t>
+              </a:r>
+            </a:p>
+          </p:txBody>
+        </p:sp>
+        <p:sp>
+          <p:nvSpPr>
+            <p:cNvPr id="47" name="Oval 46">
+              <a:extLst>
+                <a:ext uri="{FF2B5EF4-FFF2-40B4-BE49-F238E27FC236}">
+                  <a16:creationId xmlns:a16="http://schemas.microsoft.com/office/drawing/2014/main" id="{F5311954-E902-ECAA-FFFF-27142AC7E7D1}"/>
+                </a:ext>
+              </a:extLst>
+            </p:cNvPr>
+            <p:cNvSpPr/>
+            <p:nvPr/>
+          </p:nvSpPr>
+          <p:spPr>
+            <a:xfrm>
+              <a:off x="5869309" y="1794861"/>
+              <a:ext cx="209541" cy="236375"/>
+            </a:xfrm>
+            <a:prstGeom prst="ellipse">
+              <a:avLst/>
+            </a:prstGeom>
+          </p:spPr>
+          <p:style>
+            <a:lnRef idx="2">
+              <a:schemeClr val="accent1">
+                <a:shade val="15000"/>
+              </a:schemeClr>
+            </a:lnRef>
+            <a:fillRef idx="1">
+              <a:schemeClr val="accent1"/>
+            </a:fillRef>
+            <a:effectRef idx="0">
+              <a:schemeClr val="accent1"/>
+            </a:effectRef>
+            <a:fontRef idx="minor">
+              <a:schemeClr val="lt1"/>
+            </a:fontRef>
+          </p:style>
+          <p:txBody>
+            <a:bodyPr rtlCol="0" anchor="ctr"/>
+            <a:lstStyle/>
+            <a:p>
+              <a:pPr algn="ctr"/>
+              <a:r>
+                <a:rPr lang="en-US" dirty="0"/>
+                <a:t>V</a:t>
+              </a:r>
+            </a:p>
+          </p:txBody>
+        </p:sp>
+        <p:sp>
+          <p:nvSpPr>
+            <p:cNvPr id="48" name="Oval 47">
+              <a:extLst>
+                <a:ext uri="{FF2B5EF4-FFF2-40B4-BE49-F238E27FC236}">
+                  <a16:creationId xmlns:a16="http://schemas.microsoft.com/office/drawing/2014/main" id="{7428773E-B05D-2F9E-F48D-1800D36BC3D5}"/>
+                </a:ext>
+              </a:extLst>
+            </p:cNvPr>
+            <p:cNvSpPr/>
+            <p:nvPr/>
+          </p:nvSpPr>
+          <p:spPr>
+            <a:xfrm>
+              <a:off x="6568431" y="2068372"/>
+              <a:ext cx="209541" cy="236375"/>
+            </a:xfrm>
+            <a:prstGeom prst="ellipse">
+              <a:avLst/>
+            </a:prstGeom>
+          </p:spPr>
+          <p:style>
+            <a:lnRef idx="2">
+              <a:schemeClr val="accent1">
+                <a:shade val="15000"/>
+              </a:schemeClr>
+            </a:lnRef>
+            <a:fillRef idx="1">
+              <a:schemeClr val="accent1"/>
+            </a:fillRef>
+            <a:effectRef idx="0">
+              <a:schemeClr val="accent1"/>
+            </a:effectRef>
+            <a:fontRef idx="minor">
+              <a:schemeClr val="lt1"/>
+            </a:fontRef>
+          </p:style>
+          <p:txBody>
+            <a:bodyPr rtlCol="0" anchor="ctr"/>
+            <a:lstStyle/>
+            <a:p>
+              <a:pPr algn="ctr"/>
+              <a:r>
+                <a:rPr lang="en-US" dirty="0"/>
+                <a:t>T</a:t>
+              </a:r>
+            </a:p>
+          </p:txBody>
+        </p:sp>
+        <p:sp>
+          <p:nvSpPr>
+            <p:cNvPr id="49" name="Oval 48">
+              <a:extLst>
+                <a:ext uri="{FF2B5EF4-FFF2-40B4-BE49-F238E27FC236}">
+                  <a16:creationId xmlns:a16="http://schemas.microsoft.com/office/drawing/2014/main" id="{5143CF0C-FC41-8A5C-43F3-0C3EA7A5CAD6}"/>
+                </a:ext>
+              </a:extLst>
+            </p:cNvPr>
+            <p:cNvSpPr/>
+            <p:nvPr/>
+          </p:nvSpPr>
+          <p:spPr>
+            <a:xfrm>
+              <a:off x="6556012" y="1794861"/>
+              <a:ext cx="209541" cy="236375"/>
+            </a:xfrm>
+            <a:prstGeom prst="ellipse">
+              <a:avLst/>
+            </a:prstGeom>
+          </p:spPr>
+          <p:style>
+            <a:lnRef idx="2">
+              <a:schemeClr val="accent1">
+                <a:shade val="15000"/>
+              </a:schemeClr>
+            </a:lnRef>
+            <a:fillRef idx="1">
+              <a:schemeClr val="accent1"/>
+            </a:fillRef>
+            <a:effectRef idx="0">
+              <a:schemeClr val="accent1"/>
+            </a:effectRef>
+            <a:fontRef idx="minor">
+              <a:schemeClr val="lt1"/>
+            </a:fontRef>
+          </p:style>
+          <p:txBody>
+            <a:bodyPr rtlCol="0" anchor="ctr"/>
+            <a:lstStyle/>
+            <a:p>
+              <a:pPr algn="ctr"/>
+              <a:r>
+                <a:rPr lang="en-US" dirty="0"/>
+                <a:t>V</a:t>
+              </a:r>
+            </a:p>
+          </p:txBody>
+        </p:sp>
+        <p:sp>
+          <p:nvSpPr>
+            <p:cNvPr id="52" name="TextBox 51">
+              <a:extLst>
+                <a:ext uri="{FF2B5EF4-FFF2-40B4-BE49-F238E27FC236}">
+                  <a16:creationId xmlns:a16="http://schemas.microsoft.com/office/drawing/2014/main" id="{FA5C7C40-C394-A7A3-0F17-C32D035572C4}"/>
+                </a:ext>
+              </a:extLst>
+            </p:cNvPr>
+            <p:cNvSpPr txBox="1"/>
+            <p:nvPr/>
+          </p:nvSpPr>
+          <p:spPr>
+            <a:xfrm rot="16200000">
+              <a:off x="6348138" y="2909842"/>
+              <a:ext cx="588957" cy="369332"/>
+            </a:xfrm>
+            <a:prstGeom prst="rect">
+              <a:avLst/>
+            </a:prstGeom>
+            <a:noFill/>
+          </p:spPr>
+          <p:txBody>
+            <a:bodyPr wrap="square" rtlCol="0">
+              <a:spAutoFit/>
+            </a:bodyPr>
+            <a:lstStyle/>
+            <a:p>
+              <a:pPr algn="ctr"/>
+              <a:r>
+                <a:rPr lang="en-US" sz="900" dirty="0"/>
+                <a:t>Loop 207</a:t>
+              </a:r>
+            </a:p>
+          </p:txBody>
+        </p:sp>
+        <p:sp>
+          <p:nvSpPr>
+            <p:cNvPr id="53" name="TextBox 52">
+              <a:extLst>
+                <a:ext uri="{FF2B5EF4-FFF2-40B4-BE49-F238E27FC236}">
+                  <a16:creationId xmlns:a16="http://schemas.microsoft.com/office/drawing/2014/main" id="{2A04538C-DDDF-F2ED-150F-362538795128}"/>
+                </a:ext>
+              </a:extLst>
+            </p:cNvPr>
+            <p:cNvSpPr txBox="1"/>
+            <p:nvPr/>
+          </p:nvSpPr>
+          <p:spPr>
+            <a:xfrm>
+              <a:off x="6385967" y="2752048"/>
+              <a:ext cx="519112" cy="215444"/>
+            </a:xfrm>
+            <a:prstGeom prst="rect">
+              <a:avLst/>
+            </a:prstGeom>
+            <a:noFill/>
+          </p:spPr>
+          <p:txBody>
+            <a:bodyPr wrap="square" rtlCol="0">
+              <a:spAutoFit/>
+            </a:bodyPr>
+            <a:lstStyle/>
+            <a:p>
+              <a:pPr algn="ctr"/>
+              <a:r>
+                <a:rPr lang="en-US" sz="800" b="1" dirty="0"/>
+                <a:t>508 m</a:t>
+              </a:r>
+            </a:p>
+          </p:txBody>
+        </p:sp>
+        <p:sp>
+          <p:nvSpPr>
+            <p:cNvPr id="60" name="TextBox 59">
+              <a:extLst>
+                <a:ext uri="{FF2B5EF4-FFF2-40B4-BE49-F238E27FC236}">
+                  <a16:creationId xmlns:a16="http://schemas.microsoft.com/office/drawing/2014/main" id="{62F7C45C-2DBE-7414-D01F-7D6E7F202B43}"/>
+                </a:ext>
+              </a:extLst>
+            </p:cNvPr>
+            <p:cNvSpPr txBox="1"/>
+            <p:nvPr/>
+          </p:nvSpPr>
+          <p:spPr>
+            <a:xfrm rot="16200000">
+              <a:off x="6816161" y="2904729"/>
+              <a:ext cx="588957" cy="369332"/>
+            </a:xfrm>
+            <a:prstGeom prst="rect">
+              <a:avLst/>
+            </a:prstGeom>
+            <a:noFill/>
+          </p:spPr>
+          <p:txBody>
+            <a:bodyPr wrap="square" rtlCol="0">
+              <a:spAutoFit/>
+            </a:bodyPr>
+            <a:lstStyle/>
+            <a:p>
+              <a:pPr algn="ctr"/>
+              <a:r>
+                <a:rPr lang="en-US" sz="900" dirty="0"/>
+                <a:t>Loop 307</a:t>
+              </a:r>
+            </a:p>
+          </p:txBody>
+        </p:sp>
+        <p:sp>
+          <p:nvSpPr>
+            <p:cNvPr id="61" name="TextBox 60">
+              <a:extLst>
+                <a:ext uri="{FF2B5EF4-FFF2-40B4-BE49-F238E27FC236}">
+                  <a16:creationId xmlns:a16="http://schemas.microsoft.com/office/drawing/2014/main" id="{CD24AF6E-9156-93F7-0688-8FCD59C6E559}"/>
+                </a:ext>
+              </a:extLst>
+            </p:cNvPr>
+            <p:cNvSpPr txBox="1"/>
+            <p:nvPr/>
+          </p:nvSpPr>
+          <p:spPr>
+            <a:xfrm>
+              <a:off x="6813165" y="2754775"/>
+              <a:ext cx="519112" cy="215444"/>
+            </a:xfrm>
+            <a:prstGeom prst="rect">
+              <a:avLst/>
+            </a:prstGeom>
+            <a:noFill/>
+          </p:spPr>
+          <p:txBody>
+            <a:bodyPr wrap="square" rtlCol="0">
+              <a:spAutoFit/>
+            </a:bodyPr>
+            <a:lstStyle/>
+            <a:p>
+              <a:pPr algn="ctr"/>
+              <a:r>
+                <a:rPr lang="en-US" sz="800" b="1" dirty="0"/>
+                <a:t>554 m</a:t>
+              </a:r>
+            </a:p>
+          </p:txBody>
+        </p:sp>
+        <p:cxnSp>
+          <p:nvCxnSpPr>
+            <p:cNvPr id="62" name="Straight Arrow Connector 61">
+              <a:extLst>
+                <a:ext uri="{FF2B5EF4-FFF2-40B4-BE49-F238E27FC236}">
+                  <a16:creationId xmlns:a16="http://schemas.microsoft.com/office/drawing/2014/main" id="{036F1FCC-A007-8EB7-D74E-F216B19B3368}"/>
+                </a:ext>
+              </a:extLst>
+            </p:cNvPr>
+            <p:cNvCxnSpPr>
+              <a:cxnSpLocks/>
+            </p:cNvCxnSpPr>
+            <p:nvPr/>
+          </p:nvCxnSpPr>
+          <p:spPr>
+            <a:xfrm>
+              <a:off x="7048499" y="933643"/>
+              <a:ext cx="1073151" cy="0"/>
+            </a:xfrm>
+            <a:prstGeom prst="straightConnector1">
+              <a:avLst/>
+            </a:prstGeom>
+            <a:ln w="12700">
+              <a:headEnd type="triangle" w="med" len="med"/>
+              <a:tailEnd type="triangle" w="med" len="med"/>
+            </a:ln>
+          </p:spPr>
+          <p:style>
+            <a:lnRef idx="2">
+              <a:schemeClr val="dk1"/>
+            </a:lnRef>
+            <a:fillRef idx="0">
+              <a:schemeClr val="dk1"/>
+            </a:fillRef>
+            <a:effectRef idx="1">
+              <a:schemeClr val="dk1"/>
+            </a:effectRef>
+            <a:fontRef idx="minor">
+              <a:schemeClr val="tx1"/>
+            </a:fontRef>
+          </p:style>
+        </p:cxnSp>
+        <p:sp>
+          <p:nvSpPr>
+            <p:cNvPr id="65" name="TextBox 64">
+              <a:extLst>
+                <a:ext uri="{FF2B5EF4-FFF2-40B4-BE49-F238E27FC236}">
+                  <a16:creationId xmlns:a16="http://schemas.microsoft.com/office/drawing/2014/main" id="{AF4CED14-F2EA-FDED-56CF-F0096C3B9775}"/>
+                </a:ext>
+              </a:extLst>
+            </p:cNvPr>
+            <p:cNvSpPr txBox="1"/>
+            <p:nvPr/>
+          </p:nvSpPr>
+          <p:spPr>
+            <a:xfrm>
+              <a:off x="7048499" y="598359"/>
+              <a:ext cx="1181145" cy="276999"/>
+            </a:xfrm>
+            <a:prstGeom prst="rect">
+              <a:avLst/>
+            </a:prstGeom>
+            <a:noFill/>
+          </p:spPr>
+          <p:txBody>
+            <a:bodyPr wrap="square" rtlCol="0">
+              <a:spAutoFit/>
+            </a:bodyPr>
+            <a:lstStyle/>
+            <a:p>
+              <a:pPr algn="ctr"/>
+              <a:r>
+                <a:rPr lang="en-US" sz="1200" dirty="0"/>
+                <a:t>Fire Zone</a:t>
+              </a:r>
+            </a:p>
+          </p:txBody>
+        </p:sp>
+        <p:cxnSp>
+          <p:nvCxnSpPr>
+            <p:cNvPr id="66" name="Straight Connector 65">
+              <a:extLst>
+                <a:ext uri="{FF2B5EF4-FFF2-40B4-BE49-F238E27FC236}">
+                  <a16:creationId xmlns:a16="http://schemas.microsoft.com/office/drawing/2014/main" id="{5A0659B3-7B5B-03D0-CA7A-80E132B417A1}"/>
+                </a:ext>
+              </a:extLst>
+            </p:cNvPr>
+            <p:cNvCxnSpPr>
+              <a:cxnSpLocks/>
+            </p:cNvCxnSpPr>
+            <p:nvPr/>
+          </p:nvCxnSpPr>
+          <p:spPr>
+            <a:xfrm>
+              <a:off x="8128775" y="1040368"/>
+              <a:ext cx="0" cy="1334528"/>
+            </a:xfrm>
+            <a:prstGeom prst="line">
+              <a:avLst/>
+            </a:prstGeom>
+          </p:spPr>
+          <p:style>
+            <a:lnRef idx="2">
+              <a:schemeClr val="accent1"/>
+            </a:lnRef>
+            <a:fillRef idx="0">
+              <a:schemeClr val="accent1"/>
+            </a:fillRef>
+            <a:effectRef idx="1">
+              <a:schemeClr val="accent1"/>
+            </a:effectRef>
+            <a:fontRef idx="minor">
+              <a:schemeClr val="tx1"/>
+            </a:fontRef>
+          </p:style>
+        </p:cxnSp>
+        <p:cxnSp>
+          <p:nvCxnSpPr>
+            <p:cNvPr id="69" name="Straight Connector 68">
+              <a:extLst>
+                <a:ext uri="{FF2B5EF4-FFF2-40B4-BE49-F238E27FC236}">
+                  <a16:creationId xmlns:a16="http://schemas.microsoft.com/office/drawing/2014/main" id="{BCD087FC-163A-80A5-8FA2-7AAA44279319}"/>
+                </a:ext>
+              </a:extLst>
+            </p:cNvPr>
+            <p:cNvCxnSpPr>
+              <a:cxnSpLocks/>
+            </p:cNvCxnSpPr>
+            <p:nvPr/>
+          </p:nvCxnSpPr>
+          <p:spPr>
+            <a:xfrm>
+              <a:off x="8478336" y="1040368"/>
+              <a:ext cx="0" cy="1334528"/>
+            </a:xfrm>
+            <a:prstGeom prst="line">
+              <a:avLst/>
+            </a:prstGeom>
+          </p:spPr>
+          <p:style>
+            <a:lnRef idx="2">
+              <a:schemeClr val="accent1"/>
+            </a:lnRef>
+            <a:fillRef idx="0">
+              <a:schemeClr val="accent1"/>
+            </a:fillRef>
+            <a:effectRef idx="1">
+              <a:schemeClr val="accent1"/>
+            </a:effectRef>
+            <a:fontRef idx="minor">
+              <a:schemeClr val="tx1"/>
+            </a:fontRef>
+          </p:style>
+        </p:cxnSp>
+        <p:sp>
+          <p:nvSpPr>
+            <p:cNvPr id="70" name="Oval 69">
+              <a:extLst>
+                <a:ext uri="{FF2B5EF4-FFF2-40B4-BE49-F238E27FC236}">
+                  <a16:creationId xmlns:a16="http://schemas.microsoft.com/office/drawing/2014/main" id="{1EA286D7-2C9B-FE77-5061-AECEB5A29099}"/>
+                </a:ext>
+              </a:extLst>
+            </p:cNvPr>
+            <p:cNvSpPr/>
+            <p:nvPr/>
+          </p:nvSpPr>
+          <p:spPr>
+            <a:xfrm>
+              <a:off x="8385984" y="2079447"/>
+              <a:ext cx="209541" cy="236375"/>
+            </a:xfrm>
+            <a:prstGeom prst="ellipse">
+              <a:avLst/>
+            </a:prstGeom>
+          </p:spPr>
+          <p:style>
+            <a:lnRef idx="2">
+              <a:schemeClr val="accent1">
+                <a:shade val="15000"/>
+              </a:schemeClr>
+            </a:lnRef>
+            <a:fillRef idx="1">
+              <a:schemeClr val="accent1"/>
+            </a:fillRef>
+            <a:effectRef idx="0">
+              <a:schemeClr val="accent1"/>
+            </a:effectRef>
+            <a:fontRef idx="minor">
+              <a:schemeClr val="lt1"/>
+            </a:fontRef>
+          </p:style>
+          <p:txBody>
+            <a:bodyPr rtlCol="0" anchor="ctr"/>
+            <a:lstStyle/>
+            <a:p>
+              <a:pPr algn="ctr"/>
+              <a:r>
+                <a:rPr lang="en-US" dirty="0"/>
+                <a:t>T</a:t>
+              </a:r>
+            </a:p>
+          </p:txBody>
+        </p:sp>
+        <p:sp>
+          <p:nvSpPr>
+            <p:cNvPr id="71" name="Oval 70">
+              <a:extLst>
+                <a:ext uri="{FF2B5EF4-FFF2-40B4-BE49-F238E27FC236}">
+                  <a16:creationId xmlns:a16="http://schemas.microsoft.com/office/drawing/2014/main" id="{D516AD51-BAC7-D70E-1AD8-18DF6583B1C7}"/>
+                </a:ext>
+              </a:extLst>
+            </p:cNvPr>
+            <p:cNvSpPr/>
+            <p:nvPr/>
+          </p:nvSpPr>
+          <p:spPr>
+            <a:xfrm>
+              <a:off x="8373565" y="1805936"/>
+              <a:ext cx="209541" cy="236375"/>
+            </a:xfrm>
+            <a:prstGeom prst="ellipse">
+              <a:avLst/>
+            </a:prstGeom>
+          </p:spPr>
+          <p:style>
+            <a:lnRef idx="2">
+              <a:schemeClr val="accent1">
+                <a:shade val="15000"/>
+              </a:schemeClr>
+            </a:lnRef>
+            <a:fillRef idx="1">
+              <a:schemeClr val="accent1"/>
+            </a:fillRef>
+            <a:effectRef idx="0">
+              <a:schemeClr val="accent1"/>
+            </a:effectRef>
+            <a:fontRef idx="minor">
+              <a:schemeClr val="lt1"/>
+            </a:fontRef>
+          </p:style>
+          <p:txBody>
+            <a:bodyPr rtlCol="0" anchor="ctr"/>
+            <a:lstStyle/>
+            <a:p>
+              <a:pPr algn="ctr"/>
+              <a:r>
+                <a:rPr lang="en-US" dirty="0"/>
+                <a:t>V</a:t>
+              </a:r>
+            </a:p>
+          </p:txBody>
+        </p:sp>
+        <p:cxnSp>
+          <p:nvCxnSpPr>
+            <p:cNvPr id="72" name="Straight Connector 71">
+              <a:extLst>
+                <a:ext uri="{FF2B5EF4-FFF2-40B4-BE49-F238E27FC236}">
+                  <a16:creationId xmlns:a16="http://schemas.microsoft.com/office/drawing/2014/main" id="{00D68623-1D10-F58B-1B63-332AEA05DBB2}"/>
+                </a:ext>
+              </a:extLst>
+            </p:cNvPr>
+            <p:cNvCxnSpPr>
+              <a:cxnSpLocks/>
+            </p:cNvCxnSpPr>
+            <p:nvPr/>
+          </p:nvCxnSpPr>
+          <p:spPr>
+            <a:xfrm>
+              <a:off x="9421646" y="1044533"/>
+              <a:ext cx="0" cy="1334528"/>
+            </a:xfrm>
+            <a:prstGeom prst="line">
+              <a:avLst/>
+            </a:prstGeom>
+          </p:spPr>
+          <p:style>
+            <a:lnRef idx="2">
+              <a:schemeClr val="accent1"/>
+            </a:lnRef>
+            <a:fillRef idx="0">
+              <a:schemeClr val="accent1"/>
+            </a:fillRef>
+            <a:effectRef idx="1">
+              <a:schemeClr val="accent1"/>
+            </a:effectRef>
+            <a:fontRef idx="minor">
+              <a:schemeClr val="tx1"/>
+            </a:fontRef>
+          </p:style>
+        </p:cxnSp>
+        <p:sp>
+          <p:nvSpPr>
+            <p:cNvPr id="73" name="Oval 72">
+              <a:extLst>
+                <a:ext uri="{FF2B5EF4-FFF2-40B4-BE49-F238E27FC236}">
+                  <a16:creationId xmlns:a16="http://schemas.microsoft.com/office/drawing/2014/main" id="{A1351BD4-985C-F918-BF8F-2AA5E64780D1}"/>
+                </a:ext>
+              </a:extLst>
+            </p:cNvPr>
+            <p:cNvSpPr/>
+            <p:nvPr/>
+          </p:nvSpPr>
+          <p:spPr>
+            <a:xfrm>
+              <a:off x="9329294" y="2083612"/>
+              <a:ext cx="209541" cy="236375"/>
+            </a:xfrm>
+            <a:prstGeom prst="ellipse">
+              <a:avLst/>
+            </a:prstGeom>
+          </p:spPr>
+          <p:style>
+            <a:lnRef idx="2">
+              <a:schemeClr val="accent1">
+                <a:shade val="15000"/>
+              </a:schemeClr>
+            </a:lnRef>
+            <a:fillRef idx="1">
+              <a:schemeClr val="accent1"/>
+            </a:fillRef>
+            <a:effectRef idx="0">
+              <a:schemeClr val="accent1"/>
+            </a:effectRef>
+            <a:fontRef idx="minor">
+              <a:schemeClr val="lt1"/>
+            </a:fontRef>
+          </p:style>
+          <p:txBody>
+            <a:bodyPr rtlCol="0" anchor="ctr"/>
+            <a:lstStyle/>
+            <a:p>
+              <a:pPr algn="ctr"/>
+              <a:r>
+                <a:rPr lang="en-US" dirty="0"/>
+                <a:t>T</a:t>
+              </a:r>
+            </a:p>
+          </p:txBody>
+        </p:sp>
+        <p:sp>
+          <p:nvSpPr>
+            <p:cNvPr id="74" name="Oval 73">
+              <a:extLst>
+                <a:ext uri="{FF2B5EF4-FFF2-40B4-BE49-F238E27FC236}">
+                  <a16:creationId xmlns:a16="http://schemas.microsoft.com/office/drawing/2014/main" id="{6E4967A7-6420-155D-49FC-82D9737F608A}"/>
+                </a:ext>
+              </a:extLst>
+            </p:cNvPr>
+            <p:cNvSpPr/>
+            <p:nvPr/>
+          </p:nvSpPr>
+          <p:spPr>
+            <a:xfrm>
+              <a:off x="9316875" y="1810101"/>
+              <a:ext cx="209541" cy="236375"/>
+            </a:xfrm>
+            <a:prstGeom prst="ellipse">
+              <a:avLst/>
+            </a:prstGeom>
+          </p:spPr>
+          <p:style>
+            <a:lnRef idx="2">
+              <a:schemeClr val="accent1">
+                <a:shade val="15000"/>
+              </a:schemeClr>
+            </a:lnRef>
+            <a:fillRef idx="1">
+              <a:schemeClr val="accent1"/>
+            </a:fillRef>
+            <a:effectRef idx="0">
+              <a:schemeClr val="accent1"/>
+            </a:effectRef>
+            <a:fontRef idx="minor">
+              <a:schemeClr val="lt1"/>
+            </a:fontRef>
+          </p:style>
+          <p:txBody>
+            <a:bodyPr rtlCol="0" anchor="ctr"/>
+            <a:lstStyle/>
+            <a:p>
+              <a:pPr algn="ctr"/>
+              <a:r>
+                <a:rPr lang="en-US" dirty="0"/>
+                <a:t>V</a:t>
+              </a:r>
+            </a:p>
+          </p:txBody>
+        </p:sp>
+        <p:sp>
+          <p:nvSpPr>
+            <p:cNvPr id="75" name="TextBox 74">
+              <a:extLst>
+                <a:ext uri="{FF2B5EF4-FFF2-40B4-BE49-F238E27FC236}">
+                  <a16:creationId xmlns:a16="http://schemas.microsoft.com/office/drawing/2014/main" id="{C0AF6432-915F-BE37-9192-88AB268F28A1}"/>
+                </a:ext>
+              </a:extLst>
+            </p:cNvPr>
+            <p:cNvSpPr txBox="1"/>
+            <p:nvPr/>
+          </p:nvSpPr>
+          <p:spPr>
+            <a:xfrm rot="16200000">
+              <a:off x="7281938" y="2907781"/>
+              <a:ext cx="588957" cy="369332"/>
+            </a:xfrm>
+            <a:prstGeom prst="rect">
+              <a:avLst/>
+            </a:prstGeom>
+            <a:noFill/>
+          </p:spPr>
+          <p:txBody>
+            <a:bodyPr wrap="square" rtlCol="0">
+              <a:spAutoFit/>
+            </a:bodyPr>
+            <a:lstStyle/>
+            <a:p>
+              <a:pPr algn="ctr"/>
+              <a:r>
+                <a:rPr lang="en-US" sz="900" dirty="0"/>
+                <a:t>Loop 205</a:t>
+              </a:r>
+            </a:p>
+          </p:txBody>
+        </p:sp>
+        <p:sp>
+          <p:nvSpPr>
+            <p:cNvPr id="76" name="TextBox 75">
+              <a:extLst>
+                <a:ext uri="{FF2B5EF4-FFF2-40B4-BE49-F238E27FC236}">
+                  <a16:creationId xmlns:a16="http://schemas.microsoft.com/office/drawing/2014/main" id="{13F4A940-88D2-DF58-B0B7-2EFDE585ACF1}"/>
+                </a:ext>
+              </a:extLst>
+            </p:cNvPr>
+            <p:cNvSpPr txBox="1"/>
+            <p:nvPr/>
+          </p:nvSpPr>
+          <p:spPr>
+            <a:xfrm>
+              <a:off x="7330193" y="2742555"/>
+              <a:ext cx="519112" cy="215444"/>
+            </a:xfrm>
+            <a:prstGeom prst="rect">
+              <a:avLst/>
+            </a:prstGeom>
+            <a:noFill/>
+          </p:spPr>
+          <p:txBody>
+            <a:bodyPr wrap="square" rtlCol="0">
+              <a:spAutoFit/>
+            </a:bodyPr>
+            <a:lstStyle/>
+            <a:p>
+              <a:pPr algn="ctr"/>
+              <a:r>
+                <a:rPr lang="en-US" sz="800" b="1" dirty="0"/>
+                <a:t>615 m</a:t>
+              </a:r>
+            </a:p>
+          </p:txBody>
+        </p:sp>
+        <p:sp>
+          <p:nvSpPr>
+            <p:cNvPr id="77" name="Rectangle 76">
+              <a:extLst>
+                <a:ext uri="{FF2B5EF4-FFF2-40B4-BE49-F238E27FC236}">
+                  <a16:creationId xmlns:a16="http://schemas.microsoft.com/office/drawing/2014/main" id="{2AAE5F26-F4B5-EA2E-7D52-907F5C7B3075}"/>
+                </a:ext>
+              </a:extLst>
+            </p:cNvPr>
+            <p:cNvSpPr/>
+            <p:nvPr/>
+          </p:nvSpPr>
+          <p:spPr>
+            <a:xfrm>
+              <a:off x="7048499" y="1036913"/>
+              <a:ext cx="1080268" cy="1319288"/>
+            </a:xfrm>
+            <a:prstGeom prst="rect">
+              <a:avLst/>
+            </a:prstGeom>
+            <a:solidFill>
+              <a:srgbClr val="FF0000">
+                <a:alpha val="34902"/>
+              </a:srgbClr>
+            </a:solidFill>
+            <a:ln>
+              <a:solidFill>
+                <a:srgbClr val="F30D0D">
+                  <a:alpha val="34902"/>
+                </a:srgbClr>
+              </a:solidFill>
+            </a:ln>
+          </p:spPr>
+          <p:style>
+            <a:lnRef idx="2">
+              <a:schemeClr val="accent1">
+                <a:shade val="15000"/>
+              </a:schemeClr>
+            </a:lnRef>
+            <a:fillRef idx="1">
+              <a:schemeClr val="accent1"/>
+            </a:fillRef>
+            <a:effectRef idx="0">
+              <a:schemeClr val="accent1"/>
+            </a:effectRef>
+            <a:fontRef idx="minor">
+              <a:schemeClr val="lt1"/>
+            </a:fontRef>
+          </p:style>
+          <p:txBody>
+            <a:bodyPr rtlCol="0" anchor="ctr"/>
+            <a:lstStyle/>
+            <a:p>
+              <a:pPr algn="ctr"/>
+              <a:endParaRPr lang="en-US"/>
+            </a:p>
+          </p:txBody>
+        </p:sp>
+        <p:sp>
+          <p:nvSpPr>
+            <p:cNvPr id="50" name="Oval 49">
+              <a:extLst>
+                <a:ext uri="{FF2B5EF4-FFF2-40B4-BE49-F238E27FC236}">
+                  <a16:creationId xmlns:a16="http://schemas.microsoft.com/office/drawing/2014/main" id="{8D536066-1861-0D4E-1DD9-C7B2BECD9381}"/>
+                </a:ext>
+              </a:extLst>
+            </p:cNvPr>
+            <p:cNvSpPr/>
+            <p:nvPr/>
+          </p:nvSpPr>
+          <p:spPr>
+            <a:xfrm>
+              <a:off x="6956148" y="2068372"/>
+              <a:ext cx="209541" cy="236375"/>
+            </a:xfrm>
+            <a:prstGeom prst="ellipse">
+              <a:avLst/>
+            </a:prstGeom>
+          </p:spPr>
+          <p:style>
+            <a:lnRef idx="2">
+              <a:schemeClr val="accent1">
+                <a:shade val="15000"/>
+              </a:schemeClr>
+            </a:lnRef>
+            <a:fillRef idx="1">
+              <a:schemeClr val="accent1"/>
+            </a:fillRef>
+            <a:effectRef idx="0">
+              <a:schemeClr val="accent1"/>
+            </a:effectRef>
+            <a:fontRef idx="minor">
+              <a:schemeClr val="lt1"/>
+            </a:fontRef>
+          </p:style>
+          <p:txBody>
+            <a:bodyPr rtlCol="0" anchor="ctr"/>
+            <a:lstStyle/>
+            <a:p>
+              <a:pPr algn="ctr"/>
+              <a:r>
+                <a:rPr lang="en-US" dirty="0"/>
+                <a:t>T</a:t>
+              </a:r>
+            </a:p>
+          </p:txBody>
+        </p:sp>
+        <p:sp>
+          <p:nvSpPr>
+            <p:cNvPr id="51" name="Oval 50">
+              <a:extLst>
+                <a:ext uri="{FF2B5EF4-FFF2-40B4-BE49-F238E27FC236}">
+                  <a16:creationId xmlns:a16="http://schemas.microsoft.com/office/drawing/2014/main" id="{5860E7B9-407F-A836-4DD7-2FF6F1478E07}"/>
+                </a:ext>
+              </a:extLst>
+            </p:cNvPr>
+            <p:cNvSpPr/>
+            <p:nvPr/>
+          </p:nvSpPr>
+          <p:spPr>
+            <a:xfrm>
+              <a:off x="6943729" y="1794861"/>
+              <a:ext cx="209541" cy="236375"/>
+            </a:xfrm>
+            <a:prstGeom prst="ellipse">
+              <a:avLst/>
+            </a:prstGeom>
+          </p:spPr>
+          <p:style>
+            <a:lnRef idx="2">
+              <a:schemeClr val="accent1">
+                <a:shade val="15000"/>
+              </a:schemeClr>
+            </a:lnRef>
+            <a:fillRef idx="1">
+              <a:schemeClr val="accent1"/>
+            </a:fillRef>
+            <a:effectRef idx="0">
+              <a:schemeClr val="accent1"/>
+            </a:effectRef>
+            <a:fontRef idx="minor">
+              <a:schemeClr val="lt1"/>
+            </a:fontRef>
+          </p:style>
+          <p:txBody>
+            <a:bodyPr rtlCol="0" anchor="ctr"/>
+            <a:lstStyle/>
+            <a:p>
+              <a:pPr algn="ctr"/>
+              <a:r>
+                <a:rPr lang="en-US" dirty="0"/>
+                <a:t>V</a:t>
+              </a:r>
+            </a:p>
+          </p:txBody>
+        </p:sp>
+        <p:sp>
+          <p:nvSpPr>
+            <p:cNvPr id="67" name="Oval 66">
+              <a:extLst>
+                <a:ext uri="{FF2B5EF4-FFF2-40B4-BE49-F238E27FC236}">
+                  <a16:creationId xmlns:a16="http://schemas.microsoft.com/office/drawing/2014/main" id="{888462CC-654E-2211-5EB0-3332C80698EC}"/>
+                </a:ext>
+              </a:extLst>
+            </p:cNvPr>
+            <p:cNvSpPr/>
+            <p:nvPr/>
+          </p:nvSpPr>
+          <p:spPr>
+            <a:xfrm>
+              <a:off x="8036423" y="2079447"/>
+              <a:ext cx="209541" cy="236375"/>
+            </a:xfrm>
+            <a:prstGeom prst="ellipse">
+              <a:avLst/>
+            </a:prstGeom>
+          </p:spPr>
+          <p:style>
+            <a:lnRef idx="2">
+              <a:schemeClr val="accent1">
+                <a:shade val="15000"/>
+              </a:schemeClr>
+            </a:lnRef>
+            <a:fillRef idx="1">
+              <a:schemeClr val="accent1"/>
+            </a:fillRef>
+            <a:effectRef idx="0">
+              <a:schemeClr val="accent1"/>
+            </a:effectRef>
+            <a:fontRef idx="minor">
+              <a:schemeClr val="lt1"/>
+            </a:fontRef>
+          </p:style>
+          <p:txBody>
+            <a:bodyPr rtlCol="0" anchor="ctr"/>
+            <a:lstStyle/>
+            <a:p>
+              <a:pPr algn="ctr"/>
+              <a:r>
+                <a:rPr lang="en-US" dirty="0"/>
+                <a:t>T</a:t>
+              </a:r>
+            </a:p>
+          </p:txBody>
+        </p:sp>
+        <p:sp>
+          <p:nvSpPr>
+            <p:cNvPr id="68" name="Oval 67">
+              <a:extLst>
+                <a:ext uri="{FF2B5EF4-FFF2-40B4-BE49-F238E27FC236}">
+                  <a16:creationId xmlns:a16="http://schemas.microsoft.com/office/drawing/2014/main" id="{0D55ACF9-F552-EC4F-9697-CBA472696200}"/>
+                </a:ext>
+              </a:extLst>
+            </p:cNvPr>
+            <p:cNvSpPr/>
+            <p:nvPr/>
+          </p:nvSpPr>
+          <p:spPr>
+            <a:xfrm>
+              <a:off x="8024004" y="1805936"/>
+              <a:ext cx="209541" cy="236375"/>
+            </a:xfrm>
+            <a:prstGeom prst="ellipse">
+              <a:avLst/>
+            </a:prstGeom>
+          </p:spPr>
+          <p:style>
+            <a:lnRef idx="2">
+              <a:schemeClr val="accent1">
+                <a:shade val="15000"/>
+              </a:schemeClr>
+            </a:lnRef>
+            <a:fillRef idx="1">
+              <a:schemeClr val="accent1"/>
+            </a:fillRef>
+            <a:effectRef idx="0">
+              <a:schemeClr val="accent1"/>
+            </a:effectRef>
+            <a:fontRef idx="minor">
+              <a:schemeClr val="lt1"/>
+            </a:fontRef>
+          </p:style>
+          <p:txBody>
+            <a:bodyPr rtlCol="0" anchor="ctr"/>
+            <a:lstStyle/>
+            <a:p>
+              <a:pPr algn="ctr"/>
+              <a:r>
+                <a:rPr lang="en-US" dirty="0"/>
+                <a:t>V</a:t>
+              </a:r>
+            </a:p>
+          </p:txBody>
+        </p:sp>
+        <p:sp>
+          <p:nvSpPr>
+            <p:cNvPr id="78" name="TextBox 77">
+              <a:extLst>
+                <a:ext uri="{FF2B5EF4-FFF2-40B4-BE49-F238E27FC236}">
+                  <a16:creationId xmlns:a16="http://schemas.microsoft.com/office/drawing/2014/main" id="{63E4997A-6E53-D302-3A7E-A9361F017041}"/>
+                </a:ext>
+              </a:extLst>
+            </p:cNvPr>
+            <p:cNvSpPr txBox="1"/>
+            <p:nvPr/>
+          </p:nvSpPr>
+          <p:spPr>
+            <a:xfrm rot="16200000">
+              <a:off x="7814614" y="2923263"/>
+              <a:ext cx="588957" cy="369332"/>
+            </a:xfrm>
+            <a:prstGeom prst="rect">
+              <a:avLst/>
+            </a:prstGeom>
+            <a:noFill/>
+          </p:spPr>
+          <p:txBody>
+            <a:bodyPr wrap="square" rtlCol="0">
+              <a:spAutoFit/>
+            </a:bodyPr>
+            <a:lstStyle/>
+            <a:p>
+              <a:pPr algn="ctr"/>
+              <a:r>
+                <a:rPr lang="en-US" sz="900" dirty="0"/>
+                <a:t>Loop 302</a:t>
+              </a:r>
+            </a:p>
+          </p:txBody>
+        </p:sp>
+        <p:sp>
+          <p:nvSpPr>
+            <p:cNvPr id="79" name="TextBox 78">
+              <a:extLst>
+                <a:ext uri="{FF2B5EF4-FFF2-40B4-BE49-F238E27FC236}">
+                  <a16:creationId xmlns:a16="http://schemas.microsoft.com/office/drawing/2014/main" id="{F46AE31B-60B0-26D7-25EE-FBB0E300B06B}"/>
+                </a:ext>
+              </a:extLst>
+            </p:cNvPr>
+            <p:cNvSpPr txBox="1"/>
+            <p:nvPr/>
+          </p:nvSpPr>
+          <p:spPr>
+            <a:xfrm>
+              <a:off x="7862094" y="2736163"/>
+              <a:ext cx="519112" cy="215444"/>
+            </a:xfrm>
+            <a:prstGeom prst="rect">
+              <a:avLst/>
+            </a:prstGeom>
+            <a:noFill/>
+          </p:spPr>
+          <p:txBody>
+            <a:bodyPr wrap="square" rtlCol="0">
+              <a:spAutoFit/>
+            </a:bodyPr>
+            <a:lstStyle/>
+            <a:p>
+              <a:pPr algn="ctr"/>
+              <a:r>
+                <a:rPr lang="en-US" sz="800" b="1" dirty="0"/>
+                <a:t>682 m</a:t>
+              </a:r>
+            </a:p>
+          </p:txBody>
+        </p:sp>
+        <p:sp>
+          <p:nvSpPr>
+            <p:cNvPr id="80" name="TextBox 79">
+              <a:extLst>
+                <a:ext uri="{FF2B5EF4-FFF2-40B4-BE49-F238E27FC236}">
+                  <a16:creationId xmlns:a16="http://schemas.microsoft.com/office/drawing/2014/main" id="{815D3747-2A38-9956-4657-F2E90BF29E10}"/>
+                </a:ext>
+              </a:extLst>
+            </p:cNvPr>
+            <p:cNvSpPr txBox="1"/>
+            <p:nvPr/>
+          </p:nvSpPr>
+          <p:spPr>
+            <a:xfrm rot="16200000">
+              <a:off x="8193222" y="2917199"/>
+              <a:ext cx="588957" cy="369332"/>
+            </a:xfrm>
+            <a:prstGeom prst="rect">
+              <a:avLst/>
+            </a:prstGeom>
+            <a:noFill/>
+          </p:spPr>
+          <p:txBody>
+            <a:bodyPr wrap="square" rtlCol="0">
+              <a:spAutoFit/>
+            </a:bodyPr>
+            <a:lstStyle/>
+            <a:p>
+              <a:pPr algn="ctr"/>
+              <a:r>
+                <a:rPr lang="en-US" sz="900" dirty="0"/>
+                <a:t>Loop 301</a:t>
+              </a:r>
+            </a:p>
+          </p:txBody>
+        </p:sp>
+        <p:sp>
+          <p:nvSpPr>
+            <p:cNvPr id="81" name="TextBox 80">
+              <a:extLst>
+                <a:ext uri="{FF2B5EF4-FFF2-40B4-BE49-F238E27FC236}">
+                  <a16:creationId xmlns:a16="http://schemas.microsoft.com/office/drawing/2014/main" id="{DC64BFDF-4E62-E02B-86F4-05A0DB6A767A}"/>
+                </a:ext>
+              </a:extLst>
+            </p:cNvPr>
+            <p:cNvSpPr txBox="1"/>
+            <p:nvPr/>
+          </p:nvSpPr>
+          <p:spPr>
+            <a:xfrm>
+              <a:off x="8231141" y="2735789"/>
+              <a:ext cx="519112" cy="215444"/>
+            </a:xfrm>
+            <a:prstGeom prst="rect">
+              <a:avLst/>
+            </a:prstGeom>
+            <a:noFill/>
+          </p:spPr>
+          <p:txBody>
+            <a:bodyPr wrap="square" rtlCol="0">
+              <a:spAutoFit/>
+            </a:bodyPr>
+            <a:lstStyle/>
+            <a:p>
+              <a:pPr algn="ctr"/>
+              <a:r>
+                <a:rPr lang="en-US" sz="800" b="1" dirty="0"/>
+                <a:t>723 m</a:t>
+              </a:r>
+            </a:p>
+          </p:txBody>
+        </p:sp>
+        <p:sp>
+          <p:nvSpPr>
+            <p:cNvPr id="82" name="TextBox 81">
+              <a:extLst>
+                <a:ext uri="{FF2B5EF4-FFF2-40B4-BE49-F238E27FC236}">
+                  <a16:creationId xmlns:a16="http://schemas.microsoft.com/office/drawing/2014/main" id="{B0568E77-49DB-7CD9-B1FD-B56634556FEA}"/>
+                </a:ext>
+              </a:extLst>
+            </p:cNvPr>
+            <p:cNvSpPr txBox="1"/>
+            <p:nvPr/>
+          </p:nvSpPr>
+          <p:spPr>
+            <a:xfrm rot="16200000">
+              <a:off x="9126809" y="2905153"/>
+              <a:ext cx="588957" cy="369332"/>
+            </a:xfrm>
+            <a:prstGeom prst="rect">
+              <a:avLst/>
+            </a:prstGeom>
+            <a:noFill/>
+          </p:spPr>
+          <p:txBody>
+            <a:bodyPr wrap="square" rtlCol="0">
+              <a:spAutoFit/>
+            </a:bodyPr>
+            <a:lstStyle/>
+            <a:p>
+              <a:pPr algn="ctr"/>
+              <a:r>
+                <a:rPr lang="en-US" sz="900" dirty="0"/>
+                <a:t>Loop 202</a:t>
+              </a:r>
+            </a:p>
+          </p:txBody>
+        </p:sp>
+        <p:sp>
+          <p:nvSpPr>
+            <p:cNvPr id="83" name="TextBox 82">
+              <a:extLst>
+                <a:ext uri="{FF2B5EF4-FFF2-40B4-BE49-F238E27FC236}">
+                  <a16:creationId xmlns:a16="http://schemas.microsoft.com/office/drawing/2014/main" id="{86F9CAB0-636E-7F86-3AE2-5111D568108A}"/>
+                </a:ext>
+              </a:extLst>
+            </p:cNvPr>
+            <p:cNvSpPr txBox="1"/>
+            <p:nvPr/>
+          </p:nvSpPr>
+          <p:spPr>
+            <a:xfrm>
+              <a:off x="9145404" y="2728714"/>
+              <a:ext cx="519112" cy="215444"/>
+            </a:xfrm>
+            <a:prstGeom prst="rect">
+              <a:avLst/>
+            </a:prstGeom>
+            <a:noFill/>
+          </p:spPr>
+          <p:txBody>
+            <a:bodyPr wrap="square" rtlCol="0">
+              <a:spAutoFit/>
+            </a:bodyPr>
+            <a:lstStyle/>
+            <a:p>
+              <a:pPr algn="ctr"/>
+              <a:r>
+                <a:rPr lang="en-US" sz="800" b="1" dirty="0"/>
+                <a:t>834 m</a:t>
+              </a:r>
+            </a:p>
+          </p:txBody>
+        </p:sp>
+        <p:cxnSp>
+          <p:nvCxnSpPr>
+            <p:cNvPr id="84" name="Straight Connector 83">
+              <a:extLst>
+                <a:ext uri="{FF2B5EF4-FFF2-40B4-BE49-F238E27FC236}">
+                  <a16:creationId xmlns:a16="http://schemas.microsoft.com/office/drawing/2014/main" id="{00F32835-DD57-17F4-D1AE-CE02D22F58E9}"/>
+                </a:ext>
+              </a:extLst>
+            </p:cNvPr>
+            <p:cNvCxnSpPr>
+              <a:cxnSpLocks/>
+            </p:cNvCxnSpPr>
+            <p:nvPr/>
+          </p:nvCxnSpPr>
+          <p:spPr>
+            <a:xfrm>
+              <a:off x="5966460" y="2394936"/>
+              <a:ext cx="0" cy="323850"/>
+            </a:xfrm>
+            <a:prstGeom prst="line">
+              <a:avLst/>
+            </a:prstGeom>
+          </p:spPr>
+          <p:style>
+            <a:lnRef idx="2">
+              <a:schemeClr val="dk1"/>
+            </a:lnRef>
+            <a:fillRef idx="0">
+              <a:schemeClr val="dk1"/>
+            </a:fillRef>
+            <a:effectRef idx="1">
+              <a:schemeClr val="dk1"/>
+            </a:effectRef>
+            <a:fontRef idx="minor">
+              <a:schemeClr val="tx1"/>
+            </a:fontRef>
+          </p:style>
+        </p:cxnSp>
+        <p:cxnSp>
+          <p:nvCxnSpPr>
+            <p:cNvPr id="85" name="Straight Connector 84">
+              <a:extLst>
+                <a:ext uri="{FF2B5EF4-FFF2-40B4-BE49-F238E27FC236}">
+                  <a16:creationId xmlns:a16="http://schemas.microsoft.com/office/drawing/2014/main" id="{5FFDE7CF-6B96-62E3-0F00-F75EEAA56309}"/>
+                </a:ext>
+              </a:extLst>
+            </p:cNvPr>
+            <p:cNvCxnSpPr>
+              <a:cxnSpLocks/>
+            </p:cNvCxnSpPr>
+            <p:nvPr/>
+          </p:nvCxnSpPr>
+          <p:spPr>
+            <a:xfrm>
+              <a:off x="6667500" y="2394936"/>
+              <a:ext cx="0" cy="323850"/>
+            </a:xfrm>
+            <a:prstGeom prst="line">
+              <a:avLst/>
+            </a:prstGeom>
+          </p:spPr>
+          <p:style>
+            <a:lnRef idx="2">
+              <a:schemeClr val="dk1"/>
+            </a:lnRef>
+            <a:fillRef idx="0">
+              <a:schemeClr val="dk1"/>
+            </a:fillRef>
+            <a:effectRef idx="1">
+              <a:schemeClr val="dk1"/>
+            </a:effectRef>
+            <a:fontRef idx="minor">
+              <a:schemeClr val="tx1"/>
+            </a:fontRef>
+          </p:style>
+        </p:cxnSp>
+        <p:cxnSp>
+          <p:nvCxnSpPr>
+            <p:cNvPr id="86" name="Straight Connector 85">
+              <a:extLst>
+                <a:ext uri="{FF2B5EF4-FFF2-40B4-BE49-F238E27FC236}">
+                  <a16:creationId xmlns:a16="http://schemas.microsoft.com/office/drawing/2014/main" id="{DA6443EA-C05D-72F4-6DB4-5E177653AFF8}"/>
+                </a:ext>
+              </a:extLst>
+            </p:cNvPr>
+            <p:cNvCxnSpPr>
+              <a:cxnSpLocks/>
+            </p:cNvCxnSpPr>
+            <p:nvPr/>
+          </p:nvCxnSpPr>
+          <p:spPr>
+            <a:xfrm>
+              <a:off x="7048499" y="2394936"/>
+              <a:ext cx="0" cy="323850"/>
+            </a:xfrm>
+            <a:prstGeom prst="line">
+              <a:avLst/>
+            </a:prstGeom>
+          </p:spPr>
+          <p:style>
+            <a:lnRef idx="2">
+              <a:schemeClr val="dk1"/>
+            </a:lnRef>
+            <a:fillRef idx="0">
+              <a:schemeClr val="dk1"/>
+            </a:fillRef>
+            <a:effectRef idx="1">
+              <a:schemeClr val="dk1"/>
+            </a:effectRef>
+            <a:fontRef idx="minor">
+              <a:schemeClr val="tx1"/>
+            </a:fontRef>
+          </p:style>
+        </p:cxnSp>
+        <p:cxnSp>
+          <p:nvCxnSpPr>
+            <p:cNvPr id="87" name="Straight Connector 86">
+              <a:extLst>
+                <a:ext uri="{FF2B5EF4-FFF2-40B4-BE49-F238E27FC236}">
+                  <a16:creationId xmlns:a16="http://schemas.microsoft.com/office/drawing/2014/main" id="{B1CA34EE-7F47-FF49-171D-597F7B4837F0}"/>
+                </a:ext>
+              </a:extLst>
+            </p:cNvPr>
+            <p:cNvCxnSpPr>
+              <a:cxnSpLocks/>
+            </p:cNvCxnSpPr>
+            <p:nvPr/>
+          </p:nvCxnSpPr>
+          <p:spPr>
+            <a:xfrm>
+              <a:off x="7567611" y="2394936"/>
+              <a:ext cx="0" cy="323850"/>
+            </a:xfrm>
+            <a:prstGeom prst="line">
+              <a:avLst/>
+            </a:prstGeom>
+          </p:spPr>
+          <p:style>
+            <a:lnRef idx="2">
+              <a:schemeClr val="dk1"/>
+            </a:lnRef>
+            <a:fillRef idx="0">
+              <a:schemeClr val="dk1"/>
+            </a:fillRef>
+            <a:effectRef idx="1">
+              <a:schemeClr val="dk1"/>
+            </a:effectRef>
+            <a:fontRef idx="minor">
+              <a:schemeClr val="tx1"/>
+            </a:fontRef>
+          </p:style>
+        </p:cxnSp>
+        <p:cxnSp>
+          <p:nvCxnSpPr>
+            <p:cNvPr id="88" name="Straight Connector 87">
+              <a:extLst>
+                <a:ext uri="{FF2B5EF4-FFF2-40B4-BE49-F238E27FC236}">
+                  <a16:creationId xmlns:a16="http://schemas.microsoft.com/office/drawing/2014/main" id="{053D6DC5-A1EB-20C3-AF9A-2AC8E2D1DEB6}"/>
+                </a:ext>
+              </a:extLst>
+            </p:cNvPr>
+            <p:cNvCxnSpPr>
+              <a:cxnSpLocks/>
+            </p:cNvCxnSpPr>
+            <p:nvPr/>
+          </p:nvCxnSpPr>
+          <p:spPr>
+            <a:xfrm>
+              <a:off x="8128767" y="2394936"/>
+              <a:ext cx="0" cy="323850"/>
+            </a:xfrm>
+            <a:prstGeom prst="line">
+              <a:avLst/>
+            </a:prstGeom>
+          </p:spPr>
+          <p:style>
+            <a:lnRef idx="2">
+              <a:schemeClr val="dk1"/>
+            </a:lnRef>
+            <a:fillRef idx="0">
+              <a:schemeClr val="dk1"/>
+            </a:fillRef>
+            <a:effectRef idx="1">
+              <a:schemeClr val="dk1"/>
+            </a:effectRef>
+            <a:fontRef idx="minor">
+              <a:schemeClr val="tx1"/>
+            </a:fontRef>
+          </p:style>
+        </p:cxnSp>
+        <p:cxnSp>
+          <p:nvCxnSpPr>
+            <p:cNvPr id="89" name="Straight Connector 88">
+              <a:extLst>
+                <a:ext uri="{FF2B5EF4-FFF2-40B4-BE49-F238E27FC236}">
+                  <a16:creationId xmlns:a16="http://schemas.microsoft.com/office/drawing/2014/main" id="{53BA8D6F-6861-8F06-9D26-0521D17E9307}"/>
+                </a:ext>
+              </a:extLst>
+            </p:cNvPr>
+            <p:cNvCxnSpPr>
+              <a:cxnSpLocks/>
+            </p:cNvCxnSpPr>
+            <p:nvPr/>
+          </p:nvCxnSpPr>
+          <p:spPr>
+            <a:xfrm>
+              <a:off x="8478336" y="2394936"/>
+              <a:ext cx="0" cy="323850"/>
+            </a:xfrm>
+            <a:prstGeom prst="line">
+              <a:avLst/>
+            </a:prstGeom>
+          </p:spPr>
+          <p:style>
+            <a:lnRef idx="2">
+              <a:schemeClr val="dk1"/>
+            </a:lnRef>
+            <a:fillRef idx="0">
+              <a:schemeClr val="dk1"/>
+            </a:fillRef>
+            <a:effectRef idx="1">
+              <a:schemeClr val="dk1"/>
+            </a:effectRef>
+            <a:fontRef idx="minor">
+              <a:schemeClr val="tx1"/>
+            </a:fontRef>
+          </p:style>
+        </p:cxnSp>
+        <p:cxnSp>
+          <p:nvCxnSpPr>
+            <p:cNvPr id="90" name="Straight Connector 89">
+              <a:extLst>
+                <a:ext uri="{FF2B5EF4-FFF2-40B4-BE49-F238E27FC236}">
+                  <a16:creationId xmlns:a16="http://schemas.microsoft.com/office/drawing/2014/main" id="{244DA151-3C47-B1C3-5329-85CA941272BD}"/>
+                </a:ext>
+              </a:extLst>
+            </p:cNvPr>
+            <p:cNvCxnSpPr>
+              <a:cxnSpLocks/>
+            </p:cNvCxnSpPr>
+            <p:nvPr/>
+          </p:nvCxnSpPr>
+          <p:spPr>
+            <a:xfrm>
+              <a:off x="9421646" y="2394936"/>
+              <a:ext cx="0" cy="323850"/>
+            </a:xfrm>
+            <a:prstGeom prst="line">
+              <a:avLst/>
+            </a:prstGeom>
+          </p:spPr>
+          <p:style>
+            <a:lnRef idx="2">
+              <a:schemeClr val="dk1"/>
+            </a:lnRef>
+            <a:fillRef idx="0">
+              <a:schemeClr val="dk1"/>
+            </a:fillRef>
+            <a:effectRef idx="1">
+              <a:schemeClr val="dk1"/>
+            </a:effectRef>
+            <a:fontRef idx="minor">
+              <a:schemeClr val="tx1"/>
+            </a:fontRef>
+          </p:style>
+        </p:cxnSp>
+        <p:sp>
+          <p:nvSpPr>
+            <p:cNvPr id="92" name="Rectangle 91">
+              <a:extLst>
+                <a:ext uri="{FF2B5EF4-FFF2-40B4-BE49-F238E27FC236}">
+                  <a16:creationId xmlns:a16="http://schemas.microsoft.com/office/drawing/2014/main" id="{F3DC951E-5620-8C30-DEFD-9AA2C3E4A54D}"/>
+                </a:ext>
+              </a:extLst>
+            </p:cNvPr>
+            <p:cNvSpPr/>
+            <p:nvPr/>
+          </p:nvSpPr>
+          <p:spPr>
+            <a:xfrm>
+              <a:off x="2640040" y="3698496"/>
+              <a:ext cx="3817910" cy="1332205"/>
+            </a:xfrm>
+            <a:prstGeom prst="rect">
+              <a:avLst/>
+            </a:prstGeom>
+            <a:noFill/>
+          </p:spPr>
+          <p:style>
+            <a:lnRef idx="2">
+              <a:schemeClr val="dk1"/>
+            </a:lnRef>
+            <a:fillRef idx="1">
+              <a:schemeClr val="lt1"/>
+            </a:fillRef>
+            <a:effectRef idx="0">
+              <a:schemeClr val="dk1"/>
+            </a:effectRef>
+            <a:fontRef idx="minor">
+              <a:schemeClr val="dk1"/>
+            </a:fontRef>
+          </p:style>
+          <p:txBody>
+            <a:bodyPr rtlCol="0" anchor="ctr"/>
+            <a:lstStyle/>
+            <a:p>
+              <a:pPr algn="ctr"/>
+              <a:endParaRPr lang="en-US"/>
+            </a:p>
+          </p:txBody>
+        </p:sp>
+        <p:cxnSp>
+          <p:nvCxnSpPr>
+            <p:cNvPr id="93" name="Straight Connector 92">
+              <a:extLst>
+                <a:ext uri="{FF2B5EF4-FFF2-40B4-BE49-F238E27FC236}">
+                  <a16:creationId xmlns:a16="http://schemas.microsoft.com/office/drawing/2014/main" id="{ECD1BCD6-EDA1-73F2-0E7F-891456F2518A}"/>
+                </a:ext>
+              </a:extLst>
+            </p:cNvPr>
+            <p:cNvCxnSpPr>
+              <a:cxnSpLocks/>
+            </p:cNvCxnSpPr>
+            <p:nvPr/>
+          </p:nvCxnSpPr>
+          <p:spPr>
+            <a:xfrm>
+              <a:off x="2999159" y="3696175"/>
+              <a:ext cx="0" cy="1334528"/>
+            </a:xfrm>
+            <a:prstGeom prst="line">
+              <a:avLst/>
+            </a:prstGeom>
+          </p:spPr>
+          <p:style>
+            <a:lnRef idx="2">
+              <a:schemeClr val="accent1"/>
+            </a:lnRef>
+            <a:fillRef idx="0">
+              <a:schemeClr val="accent1"/>
+            </a:fillRef>
+            <a:effectRef idx="1">
+              <a:schemeClr val="accent1"/>
+            </a:effectRef>
+            <a:fontRef idx="minor">
+              <a:schemeClr val="tx1"/>
+            </a:fontRef>
+          </p:style>
+        </p:cxnSp>
+        <p:sp>
+          <p:nvSpPr>
+            <p:cNvPr id="94" name="Oval 93">
+              <a:extLst>
+                <a:ext uri="{FF2B5EF4-FFF2-40B4-BE49-F238E27FC236}">
+                  <a16:creationId xmlns:a16="http://schemas.microsoft.com/office/drawing/2014/main" id="{A6BD3FE1-A6FC-CEB8-853B-1AC732DC6740}"/>
+                </a:ext>
+              </a:extLst>
+            </p:cNvPr>
+            <p:cNvSpPr/>
+            <p:nvPr/>
+          </p:nvSpPr>
+          <p:spPr>
+            <a:xfrm>
+              <a:off x="2904522" y="4714718"/>
+              <a:ext cx="209541" cy="236375"/>
+            </a:xfrm>
+            <a:prstGeom prst="ellipse">
+              <a:avLst/>
+            </a:prstGeom>
+          </p:spPr>
+          <p:style>
+            <a:lnRef idx="2">
+              <a:schemeClr val="accent1">
+                <a:shade val="15000"/>
+              </a:schemeClr>
+            </a:lnRef>
+            <a:fillRef idx="1">
+              <a:schemeClr val="accent1"/>
+            </a:fillRef>
+            <a:effectRef idx="0">
+              <a:schemeClr val="accent1"/>
+            </a:effectRef>
+            <a:fontRef idx="minor">
+              <a:schemeClr val="lt1"/>
+            </a:fontRef>
+          </p:style>
+          <p:txBody>
+            <a:bodyPr rtlCol="0" anchor="ctr"/>
+            <a:lstStyle/>
+            <a:p>
+              <a:pPr algn="ctr"/>
+              <a:r>
+                <a:rPr lang="en-US" dirty="0"/>
+                <a:t>T</a:t>
+              </a:r>
+            </a:p>
+          </p:txBody>
+        </p:sp>
+        <p:sp>
+          <p:nvSpPr>
+            <p:cNvPr id="95" name="Oval 94">
+              <a:extLst>
+                <a:ext uri="{FF2B5EF4-FFF2-40B4-BE49-F238E27FC236}">
+                  <a16:creationId xmlns:a16="http://schemas.microsoft.com/office/drawing/2014/main" id="{8835BF0A-4FB6-BC93-1027-4198F0636698}"/>
+                </a:ext>
+              </a:extLst>
+            </p:cNvPr>
+            <p:cNvSpPr/>
+            <p:nvPr/>
+          </p:nvSpPr>
+          <p:spPr>
+            <a:xfrm>
+              <a:off x="2899818" y="4428728"/>
+              <a:ext cx="209541" cy="236375"/>
+            </a:xfrm>
+            <a:prstGeom prst="ellipse">
+              <a:avLst/>
+            </a:prstGeom>
+          </p:spPr>
+          <p:style>
+            <a:lnRef idx="2">
+              <a:schemeClr val="accent1">
+                <a:shade val="15000"/>
+              </a:schemeClr>
+            </a:lnRef>
+            <a:fillRef idx="1">
+              <a:schemeClr val="accent1"/>
+            </a:fillRef>
+            <a:effectRef idx="0">
+              <a:schemeClr val="accent1"/>
+            </a:effectRef>
+            <a:fontRef idx="minor">
+              <a:schemeClr val="lt1"/>
+            </a:fontRef>
+          </p:style>
+          <p:txBody>
+            <a:bodyPr rtlCol="0" anchor="ctr"/>
+            <a:lstStyle/>
+            <a:p>
+              <a:pPr algn="ctr"/>
+              <a:r>
+                <a:rPr lang="en-US" dirty="0"/>
+                <a:t>V</a:t>
+              </a:r>
+            </a:p>
+          </p:txBody>
+        </p:sp>
+        <p:cxnSp>
+          <p:nvCxnSpPr>
+            <p:cNvPr id="96" name="Straight Connector 95">
+              <a:extLst>
+                <a:ext uri="{FF2B5EF4-FFF2-40B4-BE49-F238E27FC236}">
+                  <a16:creationId xmlns:a16="http://schemas.microsoft.com/office/drawing/2014/main" id="{DB59670C-E21A-CAC6-4362-48D25724C859}"/>
+                </a:ext>
+              </a:extLst>
+            </p:cNvPr>
+            <p:cNvCxnSpPr>
+              <a:cxnSpLocks/>
+            </p:cNvCxnSpPr>
+            <p:nvPr/>
+          </p:nvCxnSpPr>
+          <p:spPr>
+            <a:xfrm>
+              <a:off x="3784972" y="3689178"/>
+              <a:ext cx="0" cy="1334528"/>
+            </a:xfrm>
+            <a:prstGeom prst="line">
+              <a:avLst/>
+            </a:prstGeom>
+          </p:spPr>
+          <p:style>
+            <a:lnRef idx="2">
+              <a:schemeClr val="accent1"/>
+            </a:lnRef>
+            <a:fillRef idx="0">
+              <a:schemeClr val="accent1"/>
+            </a:fillRef>
+            <a:effectRef idx="1">
+              <a:schemeClr val="accent1"/>
+            </a:effectRef>
+            <a:fontRef idx="minor">
+              <a:schemeClr val="tx1"/>
+            </a:fontRef>
+          </p:style>
+        </p:cxnSp>
+        <p:sp>
+          <p:nvSpPr>
+            <p:cNvPr id="97" name="Oval 96">
+              <a:extLst>
+                <a:ext uri="{FF2B5EF4-FFF2-40B4-BE49-F238E27FC236}">
+                  <a16:creationId xmlns:a16="http://schemas.microsoft.com/office/drawing/2014/main" id="{7B3DFD80-91DF-D7D3-E76C-94BD0CFE6049}"/>
+                </a:ext>
+              </a:extLst>
+            </p:cNvPr>
+            <p:cNvSpPr/>
+            <p:nvPr/>
+          </p:nvSpPr>
+          <p:spPr>
+            <a:xfrm>
+              <a:off x="3690335" y="4707721"/>
+              <a:ext cx="209541" cy="236375"/>
+            </a:xfrm>
+            <a:prstGeom prst="ellipse">
+              <a:avLst/>
+            </a:prstGeom>
+          </p:spPr>
+          <p:style>
+            <a:lnRef idx="2">
+              <a:schemeClr val="accent1">
+                <a:shade val="15000"/>
+              </a:schemeClr>
+            </a:lnRef>
+            <a:fillRef idx="1">
+              <a:schemeClr val="accent1"/>
+            </a:fillRef>
+            <a:effectRef idx="0">
+              <a:schemeClr val="accent1"/>
+            </a:effectRef>
+            <a:fontRef idx="minor">
+              <a:schemeClr val="lt1"/>
+            </a:fontRef>
+          </p:style>
+          <p:txBody>
+            <a:bodyPr rtlCol="0" anchor="ctr"/>
+            <a:lstStyle/>
+            <a:p>
+              <a:pPr algn="ctr"/>
+              <a:r>
+                <a:rPr lang="en-US" dirty="0"/>
+                <a:t>T</a:t>
+              </a:r>
+            </a:p>
+          </p:txBody>
+        </p:sp>
+        <p:cxnSp>
+          <p:nvCxnSpPr>
+            <p:cNvPr id="100" name="Straight Connector 99">
+              <a:extLst>
+                <a:ext uri="{FF2B5EF4-FFF2-40B4-BE49-F238E27FC236}">
+                  <a16:creationId xmlns:a16="http://schemas.microsoft.com/office/drawing/2014/main" id="{9FC9F188-38BE-6FD4-5505-D361F9C97E6F}"/>
+                </a:ext>
+              </a:extLst>
+            </p:cNvPr>
+            <p:cNvCxnSpPr>
+              <a:cxnSpLocks/>
+            </p:cNvCxnSpPr>
+            <p:nvPr/>
+          </p:nvCxnSpPr>
+          <p:spPr>
+            <a:xfrm>
+              <a:off x="4231034" y="3705491"/>
+              <a:ext cx="0" cy="1334528"/>
+            </a:xfrm>
+            <a:prstGeom prst="line">
+              <a:avLst/>
+            </a:prstGeom>
+          </p:spPr>
+          <p:style>
+            <a:lnRef idx="2">
+              <a:schemeClr val="accent1"/>
+            </a:lnRef>
+            <a:fillRef idx="0">
+              <a:schemeClr val="accent1"/>
+            </a:fillRef>
+            <a:effectRef idx="1">
+              <a:schemeClr val="accent1"/>
+            </a:effectRef>
+            <a:fontRef idx="minor">
+              <a:schemeClr val="tx1"/>
+            </a:fontRef>
+          </p:style>
+        </p:cxnSp>
+        <p:sp>
+          <p:nvSpPr>
+            <p:cNvPr id="101" name="Oval 100">
+              <a:extLst>
+                <a:ext uri="{FF2B5EF4-FFF2-40B4-BE49-F238E27FC236}">
+                  <a16:creationId xmlns:a16="http://schemas.microsoft.com/office/drawing/2014/main" id="{6749B220-6092-8561-09FF-3BF381245F70}"/>
+                </a:ext>
+              </a:extLst>
+            </p:cNvPr>
+            <p:cNvSpPr/>
+            <p:nvPr/>
+          </p:nvSpPr>
+          <p:spPr>
+            <a:xfrm>
+              <a:off x="4136397" y="4724034"/>
+              <a:ext cx="209541" cy="236375"/>
+            </a:xfrm>
+            <a:prstGeom prst="ellipse">
+              <a:avLst/>
+            </a:prstGeom>
+          </p:spPr>
+          <p:style>
+            <a:lnRef idx="2">
+              <a:schemeClr val="accent1">
+                <a:shade val="15000"/>
+              </a:schemeClr>
+            </a:lnRef>
+            <a:fillRef idx="1">
+              <a:schemeClr val="accent1"/>
+            </a:fillRef>
+            <a:effectRef idx="0">
+              <a:schemeClr val="accent1"/>
+            </a:effectRef>
+            <a:fontRef idx="minor">
+              <a:schemeClr val="lt1"/>
+            </a:fontRef>
+          </p:style>
+          <p:txBody>
+            <a:bodyPr rtlCol="0" anchor="ctr"/>
+            <a:lstStyle/>
+            <a:p>
+              <a:pPr algn="ctr"/>
+              <a:r>
+                <a:rPr lang="en-US" dirty="0"/>
+                <a:t>T</a:t>
+              </a:r>
+            </a:p>
+          </p:txBody>
+        </p:sp>
+        <p:sp>
+          <p:nvSpPr>
+            <p:cNvPr id="102" name="Oval 101">
+              <a:extLst>
+                <a:ext uri="{FF2B5EF4-FFF2-40B4-BE49-F238E27FC236}">
+                  <a16:creationId xmlns:a16="http://schemas.microsoft.com/office/drawing/2014/main" id="{E7BDB494-FE8B-03C3-422C-4BE5A6B7D483}"/>
+                </a:ext>
+              </a:extLst>
+            </p:cNvPr>
+            <p:cNvSpPr/>
+            <p:nvPr/>
+          </p:nvSpPr>
+          <p:spPr>
+            <a:xfrm>
+              <a:off x="4131693" y="4438044"/>
+              <a:ext cx="209541" cy="236375"/>
+            </a:xfrm>
+            <a:prstGeom prst="ellipse">
+              <a:avLst/>
+            </a:prstGeom>
+          </p:spPr>
+          <p:style>
+            <a:lnRef idx="2">
+              <a:schemeClr val="accent1">
+                <a:shade val="15000"/>
+              </a:schemeClr>
+            </a:lnRef>
+            <a:fillRef idx="1">
+              <a:schemeClr val="accent1"/>
+            </a:fillRef>
+            <a:effectRef idx="0">
+              <a:schemeClr val="accent1"/>
+            </a:effectRef>
+            <a:fontRef idx="minor">
+              <a:schemeClr val="lt1"/>
+            </a:fontRef>
+          </p:style>
+          <p:txBody>
+            <a:bodyPr rtlCol="0" anchor="ctr"/>
+            <a:lstStyle/>
+            <a:p>
+              <a:pPr algn="ctr"/>
+              <a:r>
+                <a:rPr lang="en-US" dirty="0"/>
+                <a:t>V</a:t>
+              </a:r>
+            </a:p>
+          </p:txBody>
+        </p:sp>
+        <p:cxnSp>
+          <p:nvCxnSpPr>
+            <p:cNvPr id="103" name="Straight Connector 102">
+              <a:extLst>
+                <a:ext uri="{FF2B5EF4-FFF2-40B4-BE49-F238E27FC236}">
+                  <a16:creationId xmlns:a16="http://schemas.microsoft.com/office/drawing/2014/main" id="{1F326F0A-BC68-6AF4-CA44-6F0FDEB02D37}"/>
+                </a:ext>
+              </a:extLst>
+            </p:cNvPr>
+            <p:cNvCxnSpPr>
+              <a:cxnSpLocks/>
+            </p:cNvCxnSpPr>
+            <p:nvPr/>
+          </p:nvCxnSpPr>
+          <p:spPr>
+            <a:xfrm>
+              <a:off x="4520993" y="3689178"/>
+              <a:ext cx="0" cy="1334528"/>
+            </a:xfrm>
+            <a:prstGeom prst="line">
+              <a:avLst/>
+            </a:prstGeom>
+          </p:spPr>
+          <p:style>
+            <a:lnRef idx="2">
+              <a:schemeClr val="accent1"/>
+            </a:lnRef>
+            <a:fillRef idx="0">
+              <a:schemeClr val="accent1"/>
+            </a:fillRef>
+            <a:effectRef idx="1">
+              <a:schemeClr val="accent1"/>
+            </a:effectRef>
+            <a:fontRef idx="minor">
+              <a:schemeClr val="tx1"/>
+            </a:fontRef>
+          </p:style>
+        </p:cxnSp>
+        <p:sp>
+          <p:nvSpPr>
+            <p:cNvPr id="104" name="Oval 103">
+              <a:extLst>
+                <a:ext uri="{FF2B5EF4-FFF2-40B4-BE49-F238E27FC236}">
+                  <a16:creationId xmlns:a16="http://schemas.microsoft.com/office/drawing/2014/main" id="{37B8565F-9FA0-4A89-C787-97582C967C89}"/>
+                </a:ext>
+              </a:extLst>
+            </p:cNvPr>
+            <p:cNvSpPr/>
+            <p:nvPr/>
+          </p:nvSpPr>
+          <p:spPr>
+            <a:xfrm>
+              <a:off x="4426356" y="4707721"/>
+              <a:ext cx="209541" cy="236375"/>
+            </a:xfrm>
+            <a:prstGeom prst="ellipse">
+              <a:avLst/>
+            </a:prstGeom>
+          </p:spPr>
+          <p:style>
+            <a:lnRef idx="2">
+              <a:schemeClr val="accent1">
+                <a:shade val="15000"/>
+              </a:schemeClr>
+            </a:lnRef>
+            <a:fillRef idx="1">
+              <a:schemeClr val="accent1"/>
+            </a:fillRef>
+            <a:effectRef idx="0">
+              <a:schemeClr val="accent1"/>
+            </a:effectRef>
+            <a:fontRef idx="minor">
+              <a:schemeClr val="lt1"/>
+            </a:fontRef>
+          </p:style>
+          <p:txBody>
+            <a:bodyPr rtlCol="0" anchor="ctr"/>
+            <a:lstStyle/>
+            <a:p>
+              <a:pPr algn="ctr"/>
+              <a:r>
+                <a:rPr lang="en-US" dirty="0"/>
+                <a:t>T</a:t>
+              </a:r>
+            </a:p>
+          </p:txBody>
+        </p:sp>
+        <p:cxnSp>
+          <p:nvCxnSpPr>
+            <p:cNvPr id="105" name="Straight Connector 104">
+              <a:extLst>
+                <a:ext uri="{FF2B5EF4-FFF2-40B4-BE49-F238E27FC236}">
+                  <a16:creationId xmlns:a16="http://schemas.microsoft.com/office/drawing/2014/main" id="{FD6BFB51-B5A4-9660-6FD4-C5C8D3198106}"/>
+                </a:ext>
+              </a:extLst>
+            </p:cNvPr>
+            <p:cNvCxnSpPr>
+              <a:cxnSpLocks/>
+            </p:cNvCxnSpPr>
+            <p:nvPr/>
+          </p:nvCxnSpPr>
+          <p:spPr>
+            <a:xfrm>
+              <a:off x="4833197" y="3689178"/>
+              <a:ext cx="0" cy="1334528"/>
+            </a:xfrm>
+            <a:prstGeom prst="line">
+              <a:avLst/>
+            </a:prstGeom>
+          </p:spPr>
+          <p:style>
+            <a:lnRef idx="2">
+              <a:schemeClr val="accent1"/>
+            </a:lnRef>
+            <a:fillRef idx="0">
+              <a:schemeClr val="accent1"/>
+            </a:fillRef>
+            <a:effectRef idx="1">
+              <a:schemeClr val="accent1"/>
+            </a:effectRef>
+            <a:fontRef idx="minor">
+              <a:schemeClr val="tx1"/>
+            </a:fontRef>
+          </p:style>
+        </p:cxnSp>
+        <p:sp>
+          <p:nvSpPr>
+            <p:cNvPr id="106" name="Oval 105">
+              <a:extLst>
+                <a:ext uri="{FF2B5EF4-FFF2-40B4-BE49-F238E27FC236}">
+                  <a16:creationId xmlns:a16="http://schemas.microsoft.com/office/drawing/2014/main" id="{F7103F3D-2079-1782-4A44-C1786F177C34}"/>
+                </a:ext>
+              </a:extLst>
+            </p:cNvPr>
+            <p:cNvSpPr/>
+            <p:nvPr/>
+          </p:nvSpPr>
+          <p:spPr>
+            <a:xfrm>
+              <a:off x="4738560" y="4707721"/>
+              <a:ext cx="209541" cy="236375"/>
+            </a:xfrm>
+            <a:prstGeom prst="ellipse">
+              <a:avLst/>
+            </a:prstGeom>
+          </p:spPr>
+          <p:style>
+            <a:lnRef idx="2">
+              <a:schemeClr val="accent1">
+                <a:shade val="15000"/>
+              </a:schemeClr>
+            </a:lnRef>
+            <a:fillRef idx="1">
+              <a:schemeClr val="accent1"/>
+            </a:fillRef>
+            <a:effectRef idx="0">
+              <a:schemeClr val="accent1"/>
+            </a:effectRef>
+            <a:fontRef idx="minor">
+              <a:schemeClr val="lt1"/>
+            </a:fontRef>
+          </p:style>
+          <p:txBody>
+            <a:bodyPr rtlCol="0" anchor="ctr"/>
+            <a:lstStyle/>
+            <a:p>
+              <a:pPr algn="ctr"/>
+              <a:r>
+                <a:rPr lang="en-US" dirty="0"/>
+                <a:t>T</a:t>
+              </a:r>
+            </a:p>
+          </p:txBody>
+        </p:sp>
+        <p:sp>
+          <p:nvSpPr>
+            <p:cNvPr id="107" name="Oval 106">
+              <a:extLst>
+                <a:ext uri="{FF2B5EF4-FFF2-40B4-BE49-F238E27FC236}">
+                  <a16:creationId xmlns:a16="http://schemas.microsoft.com/office/drawing/2014/main" id="{4A5723C9-FCEC-6372-D32F-70D9ED91DA1D}"/>
+                </a:ext>
+              </a:extLst>
+            </p:cNvPr>
+            <p:cNvSpPr/>
+            <p:nvPr/>
+          </p:nvSpPr>
+          <p:spPr>
+            <a:xfrm>
+              <a:off x="4733856" y="4421731"/>
+              <a:ext cx="209541" cy="236375"/>
+            </a:xfrm>
+            <a:prstGeom prst="ellipse">
+              <a:avLst/>
+            </a:prstGeom>
+          </p:spPr>
+          <p:style>
+            <a:lnRef idx="2">
+              <a:schemeClr val="accent1">
+                <a:shade val="15000"/>
+              </a:schemeClr>
+            </a:lnRef>
+            <a:fillRef idx="1">
+              <a:schemeClr val="accent1"/>
+            </a:fillRef>
+            <a:effectRef idx="0">
+              <a:schemeClr val="accent1"/>
+            </a:effectRef>
+            <a:fontRef idx="minor">
+              <a:schemeClr val="lt1"/>
+            </a:fontRef>
+          </p:style>
+          <p:txBody>
+            <a:bodyPr rtlCol="0" anchor="ctr"/>
+            <a:lstStyle/>
+            <a:p>
+              <a:pPr algn="ctr"/>
+              <a:r>
+                <a:rPr lang="en-US" dirty="0"/>
+                <a:t>V</a:t>
+              </a:r>
+            </a:p>
+          </p:txBody>
+        </p:sp>
+        <p:cxnSp>
+          <p:nvCxnSpPr>
+            <p:cNvPr id="108" name="Straight Connector 107">
+              <a:extLst>
+                <a:ext uri="{FF2B5EF4-FFF2-40B4-BE49-F238E27FC236}">
+                  <a16:creationId xmlns:a16="http://schemas.microsoft.com/office/drawing/2014/main" id="{FFD16A4B-752F-8344-E646-B3347FB153BA}"/>
+                </a:ext>
+              </a:extLst>
+            </p:cNvPr>
+            <p:cNvCxnSpPr>
+              <a:cxnSpLocks/>
+            </p:cNvCxnSpPr>
+            <p:nvPr/>
+          </p:nvCxnSpPr>
+          <p:spPr>
+            <a:xfrm>
+              <a:off x="5246243" y="3684201"/>
+              <a:ext cx="0" cy="1334528"/>
+            </a:xfrm>
+            <a:prstGeom prst="line">
+              <a:avLst/>
+            </a:prstGeom>
+          </p:spPr>
+          <p:style>
+            <a:lnRef idx="2">
+              <a:schemeClr val="accent1"/>
+            </a:lnRef>
+            <a:fillRef idx="0">
+              <a:schemeClr val="accent1"/>
+            </a:fillRef>
+            <a:effectRef idx="1">
+              <a:schemeClr val="accent1"/>
+            </a:effectRef>
+            <a:fontRef idx="minor">
+              <a:schemeClr val="tx1"/>
+            </a:fontRef>
+          </p:style>
+        </p:cxnSp>
+        <p:sp>
+          <p:nvSpPr>
+            <p:cNvPr id="109" name="Oval 108">
+              <a:extLst>
+                <a:ext uri="{FF2B5EF4-FFF2-40B4-BE49-F238E27FC236}">
+                  <a16:creationId xmlns:a16="http://schemas.microsoft.com/office/drawing/2014/main" id="{9D075125-E741-18E7-6226-28D00FCC6565}"/>
+                </a:ext>
+              </a:extLst>
+            </p:cNvPr>
+            <p:cNvSpPr/>
+            <p:nvPr/>
+          </p:nvSpPr>
+          <p:spPr>
+            <a:xfrm>
+              <a:off x="5151606" y="4702744"/>
+              <a:ext cx="209541" cy="236375"/>
+            </a:xfrm>
+            <a:prstGeom prst="ellipse">
+              <a:avLst/>
+            </a:prstGeom>
+          </p:spPr>
+          <p:style>
+            <a:lnRef idx="2">
+              <a:schemeClr val="accent1">
+                <a:shade val="15000"/>
+              </a:schemeClr>
+            </a:lnRef>
+            <a:fillRef idx="1">
+              <a:schemeClr val="accent1"/>
+            </a:fillRef>
+            <a:effectRef idx="0">
+              <a:schemeClr val="accent1"/>
+            </a:effectRef>
+            <a:fontRef idx="minor">
+              <a:schemeClr val="lt1"/>
+            </a:fontRef>
+          </p:style>
+          <p:txBody>
+            <a:bodyPr rtlCol="0" anchor="ctr"/>
+            <a:lstStyle/>
+            <a:p>
+              <a:pPr algn="ctr"/>
+              <a:r>
+                <a:rPr lang="en-US" dirty="0"/>
+                <a:t>T</a:t>
+              </a:r>
+            </a:p>
+          </p:txBody>
+        </p:sp>
+        <p:cxnSp>
+          <p:nvCxnSpPr>
+            <p:cNvPr id="110" name="Straight Connector 109">
+              <a:extLst>
+                <a:ext uri="{FF2B5EF4-FFF2-40B4-BE49-F238E27FC236}">
+                  <a16:creationId xmlns:a16="http://schemas.microsoft.com/office/drawing/2014/main" id="{1CE4A673-9F8E-25BD-7FAB-A895617C5E2D}"/>
+                </a:ext>
+              </a:extLst>
+            </p:cNvPr>
+            <p:cNvCxnSpPr>
+              <a:cxnSpLocks/>
+            </p:cNvCxnSpPr>
+            <p:nvPr/>
+          </p:nvCxnSpPr>
+          <p:spPr>
+            <a:xfrm>
+              <a:off x="6143815" y="3705491"/>
+              <a:ext cx="0" cy="1334528"/>
+            </a:xfrm>
+            <a:prstGeom prst="line">
+              <a:avLst/>
+            </a:prstGeom>
+          </p:spPr>
+          <p:style>
+            <a:lnRef idx="2">
+              <a:schemeClr val="accent1"/>
+            </a:lnRef>
+            <a:fillRef idx="0">
+              <a:schemeClr val="accent1"/>
+            </a:fillRef>
+            <a:effectRef idx="1">
+              <a:schemeClr val="accent1"/>
+            </a:effectRef>
+            <a:fontRef idx="minor">
+              <a:schemeClr val="tx1"/>
+            </a:fontRef>
+          </p:style>
+        </p:cxnSp>
+        <p:sp>
+          <p:nvSpPr>
+            <p:cNvPr id="111" name="Oval 110">
+              <a:extLst>
+                <a:ext uri="{FF2B5EF4-FFF2-40B4-BE49-F238E27FC236}">
+                  <a16:creationId xmlns:a16="http://schemas.microsoft.com/office/drawing/2014/main" id="{DBD95331-AF7B-4BC1-AED5-9EB682C96033}"/>
+                </a:ext>
+              </a:extLst>
+            </p:cNvPr>
+            <p:cNvSpPr/>
+            <p:nvPr/>
+          </p:nvSpPr>
+          <p:spPr>
+            <a:xfrm>
+              <a:off x="6049178" y="4724034"/>
+              <a:ext cx="209541" cy="236375"/>
+            </a:xfrm>
+            <a:prstGeom prst="ellipse">
+              <a:avLst/>
+            </a:prstGeom>
+          </p:spPr>
+          <p:style>
+            <a:lnRef idx="2">
+              <a:schemeClr val="accent1">
+                <a:shade val="15000"/>
+              </a:schemeClr>
+            </a:lnRef>
+            <a:fillRef idx="1">
+              <a:schemeClr val="accent1"/>
+            </a:fillRef>
+            <a:effectRef idx="0">
+              <a:schemeClr val="accent1"/>
+            </a:effectRef>
+            <a:fontRef idx="minor">
+              <a:schemeClr val="lt1"/>
+            </a:fontRef>
+          </p:style>
+          <p:txBody>
+            <a:bodyPr rtlCol="0" anchor="ctr"/>
+            <a:lstStyle/>
+            <a:p>
+              <a:pPr algn="ctr"/>
+              <a:r>
+                <a:rPr lang="en-US" dirty="0"/>
+                <a:t>T</a:t>
+              </a:r>
+            </a:p>
+          </p:txBody>
+        </p:sp>
+        <p:sp>
+          <p:nvSpPr>
+            <p:cNvPr id="112" name="Oval 111">
+              <a:extLst>
+                <a:ext uri="{FF2B5EF4-FFF2-40B4-BE49-F238E27FC236}">
+                  <a16:creationId xmlns:a16="http://schemas.microsoft.com/office/drawing/2014/main" id="{EEA4E920-61F2-59A8-DC99-E27E9CD57178}"/>
+                </a:ext>
+              </a:extLst>
+            </p:cNvPr>
+            <p:cNvSpPr/>
+            <p:nvPr/>
+          </p:nvSpPr>
+          <p:spPr>
+            <a:xfrm>
+              <a:off x="6044474" y="4438044"/>
+              <a:ext cx="209541" cy="236375"/>
+            </a:xfrm>
+            <a:prstGeom prst="ellipse">
+              <a:avLst/>
+            </a:prstGeom>
+          </p:spPr>
+          <p:style>
+            <a:lnRef idx="2">
+              <a:schemeClr val="accent1">
+                <a:shade val="15000"/>
+              </a:schemeClr>
+            </a:lnRef>
+            <a:fillRef idx="1">
+              <a:schemeClr val="accent1"/>
+            </a:fillRef>
+            <a:effectRef idx="0">
+              <a:schemeClr val="accent1"/>
+            </a:effectRef>
+            <a:fontRef idx="minor">
+              <a:schemeClr val="lt1"/>
+            </a:fontRef>
+          </p:style>
+          <p:txBody>
+            <a:bodyPr rtlCol="0" anchor="ctr"/>
+            <a:lstStyle/>
+            <a:p>
+              <a:pPr algn="ctr"/>
+              <a:r>
+                <a:rPr lang="en-US" dirty="0"/>
+                <a:t>V</a:t>
+              </a:r>
+            </a:p>
+          </p:txBody>
+        </p:sp>
+        <p:cxnSp>
+          <p:nvCxnSpPr>
+            <p:cNvPr id="113" name="Straight Connector 112">
+              <a:extLst>
+                <a:ext uri="{FF2B5EF4-FFF2-40B4-BE49-F238E27FC236}">
+                  <a16:creationId xmlns:a16="http://schemas.microsoft.com/office/drawing/2014/main" id="{DE9A674D-5331-0D55-7871-A93DD8695A4F}"/>
+                </a:ext>
+              </a:extLst>
+            </p:cNvPr>
+            <p:cNvCxnSpPr>
+              <a:cxnSpLocks/>
+            </p:cNvCxnSpPr>
+            <p:nvPr/>
+          </p:nvCxnSpPr>
+          <p:spPr>
+            <a:xfrm>
+              <a:off x="3001808" y="5040019"/>
+              <a:ext cx="0" cy="323850"/>
+            </a:xfrm>
+            <a:prstGeom prst="line">
+              <a:avLst/>
+            </a:prstGeom>
+          </p:spPr>
+          <p:style>
+            <a:lnRef idx="2">
+              <a:schemeClr val="dk1"/>
+            </a:lnRef>
+            <a:fillRef idx="0">
+              <a:schemeClr val="dk1"/>
+            </a:fillRef>
+            <a:effectRef idx="1">
+              <a:schemeClr val="dk1"/>
+            </a:effectRef>
+            <a:fontRef idx="minor">
+              <a:schemeClr val="tx1"/>
+            </a:fontRef>
+          </p:style>
+        </p:cxnSp>
+        <p:sp>
+          <p:nvSpPr>
+            <p:cNvPr id="115" name="TextBox 114">
+              <a:extLst>
+                <a:ext uri="{FF2B5EF4-FFF2-40B4-BE49-F238E27FC236}">
+                  <a16:creationId xmlns:a16="http://schemas.microsoft.com/office/drawing/2014/main" id="{A3117C92-F57C-1A71-5B7E-3D34D6AB32BF}"/>
+                </a:ext>
+              </a:extLst>
+            </p:cNvPr>
+            <p:cNvSpPr txBox="1"/>
+            <p:nvPr/>
+          </p:nvSpPr>
+          <p:spPr>
+            <a:xfrm>
+              <a:off x="2740166" y="5354880"/>
+              <a:ext cx="519112" cy="215444"/>
+            </a:xfrm>
+            <a:prstGeom prst="rect">
+              <a:avLst/>
+            </a:prstGeom>
+            <a:noFill/>
+          </p:spPr>
+          <p:txBody>
+            <a:bodyPr wrap="square" rtlCol="0">
+              <a:spAutoFit/>
+            </a:bodyPr>
+            <a:lstStyle/>
+            <a:p>
+              <a:pPr algn="ctr"/>
+              <a:r>
+                <a:rPr lang="en-US" sz="800" b="1" dirty="0"/>
+                <a:t>554 m</a:t>
+              </a:r>
+            </a:p>
+          </p:txBody>
+        </p:sp>
+        <p:cxnSp>
+          <p:nvCxnSpPr>
+            <p:cNvPr id="116" name="Straight Arrow Connector 115">
+              <a:extLst>
+                <a:ext uri="{FF2B5EF4-FFF2-40B4-BE49-F238E27FC236}">
+                  <a16:creationId xmlns:a16="http://schemas.microsoft.com/office/drawing/2014/main" id="{9BEBE5A9-CAD3-8C76-4D36-7A80DA9B16FB}"/>
+                </a:ext>
+              </a:extLst>
+            </p:cNvPr>
+            <p:cNvCxnSpPr>
+              <a:cxnSpLocks/>
+            </p:cNvCxnSpPr>
+            <p:nvPr/>
+          </p:nvCxnSpPr>
+          <p:spPr>
+            <a:xfrm>
+              <a:off x="2980376" y="5230048"/>
+              <a:ext cx="3191824" cy="0"/>
+            </a:xfrm>
+            <a:prstGeom prst="straightConnector1">
+              <a:avLst/>
+            </a:prstGeom>
+            <a:ln w="12700">
+              <a:headEnd type="triangle" w="med" len="med"/>
+              <a:tailEnd type="triangle" w="med" len="med"/>
+            </a:ln>
+          </p:spPr>
+          <p:style>
+            <a:lnRef idx="2">
+              <a:schemeClr val="dk1"/>
+            </a:lnRef>
+            <a:fillRef idx="0">
+              <a:schemeClr val="dk1"/>
+            </a:fillRef>
+            <a:effectRef idx="1">
+              <a:schemeClr val="dk1"/>
+            </a:effectRef>
+            <a:fontRef idx="minor">
+              <a:schemeClr val="tx1"/>
+            </a:fontRef>
+          </p:style>
+        </p:cxnSp>
+        <p:sp>
+          <p:nvSpPr>
+            <p:cNvPr id="119" name="TextBox 118">
+              <a:extLst>
+                <a:ext uri="{FF2B5EF4-FFF2-40B4-BE49-F238E27FC236}">
+                  <a16:creationId xmlns:a16="http://schemas.microsoft.com/office/drawing/2014/main" id="{03411307-F374-859D-0CF3-8D74A7D909A4}"/>
+                </a:ext>
+              </a:extLst>
+            </p:cNvPr>
+            <p:cNvSpPr txBox="1"/>
+            <p:nvPr/>
+          </p:nvSpPr>
+          <p:spPr>
+            <a:xfrm>
+              <a:off x="3540150" y="5358400"/>
+              <a:ext cx="519112" cy="215444"/>
+            </a:xfrm>
+            <a:prstGeom prst="rect">
+              <a:avLst/>
+            </a:prstGeom>
+            <a:noFill/>
+          </p:spPr>
+          <p:txBody>
+            <a:bodyPr wrap="square" rtlCol="0">
+              <a:spAutoFit/>
+            </a:bodyPr>
+            <a:lstStyle/>
+            <a:p>
+              <a:pPr algn="ctr"/>
+              <a:r>
+                <a:rPr lang="en-US" sz="800" b="1" dirty="0"/>
+                <a:t>586 m</a:t>
+              </a:r>
+            </a:p>
+          </p:txBody>
+        </p:sp>
+        <p:sp>
+          <p:nvSpPr>
+            <p:cNvPr id="124" name="TextBox 123">
+              <a:extLst>
+                <a:ext uri="{FF2B5EF4-FFF2-40B4-BE49-F238E27FC236}">
+                  <a16:creationId xmlns:a16="http://schemas.microsoft.com/office/drawing/2014/main" id="{4325BCAD-E9DB-5FC4-488A-B23FF446D73F}"/>
+                </a:ext>
+              </a:extLst>
+            </p:cNvPr>
+            <p:cNvSpPr txBox="1"/>
+            <p:nvPr/>
+          </p:nvSpPr>
+          <p:spPr>
+            <a:xfrm>
+              <a:off x="3988788" y="5358400"/>
+              <a:ext cx="519112" cy="215444"/>
+            </a:xfrm>
+            <a:prstGeom prst="rect">
+              <a:avLst/>
+            </a:prstGeom>
+            <a:noFill/>
+          </p:spPr>
+          <p:txBody>
+            <a:bodyPr wrap="square" rtlCol="0">
+              <a:spAutoFit/>
+            </a:bodyPr>
+            <a:lstStyle/>
+            <a:p>
+              <a:pPr algn="ctr"/>
+              <a:r>
+                <a:rPr lang="en-US" sz="800" b="1" dirty="0"/>
+                <a:t>604 m</a:t>
+              </a:r>
+            </a:p>
+          </p:txBody>
+        </p:sp>
+        <p:sp>
+          <p:nvSpPr>
+            <p:cNvPr id="126" name="TextBox 125">
+              <a:extLst>
+                <a:ext uri="{FF2B5EF4-FFF2-40B4-BE49-F238E27FC236}">
+                  <a16:creationId xmlns:a16="http://schemas.microsoft.com/office/drawing/2014/main" id="{8A78C6F7-E6F3-B5C1-451C-3A710BFCBE6E}"/>
+                </a:ext>
+              </a:extLst>
+            </p:cNvPr>
+            <p:cNvSpPr txBox="1"/>
+            <p:nvPr/>
+          </p:nvSpPr>
+          <p:spPr>
+            <a:xfrm>
+              <a:off x="4277713" y="5361575"/>
+              <a:ext cx="519112" cy="215444"/>
+            </a:xfrm>
+            <a:prstGeom prst="rect">
+              <a:avLst/>
+            </a:prstGeom>
+            <a:noFill/>
+          </p:spPr>
+          <p:txBody>
+            <a:bodyPr wrap="square" rtlCol="0">
+              <a:spAutoFit/>
+            </a:bodyPr>
+            <a:lstStyle/>
+            <a:p>
+              <a:pPr algn="ctr"/>
+              <a:r>
+                <a:rPr lang="en-US" sz="800" b="1" dirty="0"/>
+                <a:t>615 m</a:t>
+              </a:r>
+            </a:p>
+          </p:txBody>
+        </p:sp>
+        <p:sp>
+          <p:nvSpPr>
+            <p:cNvPr id="128" name="TextBox 127">
+              <a:extLst>
+                <a:ext uri="{FF2B5EF4-FFF2-40B4-BE49-F238E27FC236}">
+                  <a16:creationId xmlns:a16="http://schemas.microsoft.com/office/drawing/2014/main" id="{B6A06C6C-8DFE-67FD-9F1F-76E941D06CDE}"/>
+                </a:ext>
+              </a:extLst>
+            </p:cNvPr>
+            <p:cNvSpPr txBox="1"/>
+            <p:nvPr/>
+          </p:nvSpPr>
+          <p:spPr>
+            <a:xfrm>
+              <a:off x="4614263" y="5357376"/>
+              <a:ext cx="519112" cy="215444"/>
+            </a:xfrm>
+            <a:prstGeom prst="rect">
+              <a:avLst/>
+            </a:prstGeom>
+            <a:noFill/>
+          </p:spPr>
+          <p:txBody>
+            <a:bodyPr wrap="square" rtlCol="0">
+              <a:spAutoFit/>
+            </a:bodyPr>
+            <a:lstStyle/>
+            <a:p>
+              <a:pPr algn="ctr"/>
+              <a:r>
+                <a:rPr lang="en-US" sz="800" b="1" dirty="0"/>
+                <a:t>628 m</a:t>
+              </a:r>
+            </a:p>
+          </p:txBody>
+        </p:sp>
+        <p:sp>
+          <p:nvSpPr>
+            <p:cNvPr id="130" name="TextBox 129">
+              <a:extLst>
+                <a:ext uri="{FF2B5EF4-FFF2-40B4-BE49-F238E27FC236}">
+                  <a16:creationId xmlns:a16="http://schemas.microsoft.com/office/drawing/2014/main" id="{E821B449-C504-D310-D542-BF4CD1CB7BA4}"/>
+                </a:ext>
+              </a:extLst>
+            </p:cNvPr>
+            <p:cNvSpPr txBox="1"/>
+            <p:nvPr/>
+          </p:nvSpPr>
+          <p:spPr>
+            <a:xfrm>
+              <a:off x="4985862" y="5358400"/>
+              <a:ext cx="519112" cy="215444"/>
+            </a:xfrm>
+            <a:prstGeom prst="rect">
+              <a:avLst/>
+            </a:prstGeom>
+            <a:noFill/>
+          </p:spPr>
+          <p:txBody>
+            <a:bodyPr wrap="square" rtlCol="0">
+              <a:spAutoFit/>
+            </a:bodyPr>
+            <a:lstStyle/>
+            <a:p>
+              <a:pPr algn="ctr"/>
+              <a:r>
+                <a:rPr lang="en-US" sz="800" b="1" dirty="0"/>
+                <a:t>645 m</a:t>
+              </a:r>
+            </a:p>
+          </p:txBody>
+        </p:sp>
+        <p:sp>
+          <p:nvSpPr>
+            <p:cNvPr id="132" name="TextBox 131">
+              <a:extLst>
+                <a:ext uri="{FF2B5EF4-FFF2-40B4-BE49-F238E27FC236}">
+                  <a16:creationId xmlns:a16="http://schemas.microsoft.com/office/drawing/2014/main" id="{D21ACA49-46F5-8844-34BD-5D06EACCA19E}"/>
+                </a:ext>
+              </a:extLst>
+            </p:cNvPr>
+            <p:cNvSpPr txBox="1"/>
+            <p:nvPr/>
+          </p:nvSpPr>
+          <p:spPr>
+            <a:xfrm>
+              <a:off x="5908091" y="5342525"/>
+              <a:ext cx="519112" cy="215444"/>
+            </a:xfrm>
+            <a:prstGeom prst="rect">
+              <a:avLst/>
+            </a:prstGeom>
+            <a:noFill/>
+          </p:spPr>
+          <p:txBody>
+            <a:bodyPr wrap="square" rtlCol="0">
+              <a:spAutoFit/>
+            </a:bodyPr>
+            <a:lstStyle/>
+            <a:p>
+              <a:pPr algn="ctr"/>
+              <a:r>
+                <a:rPr lang="en-US" sz="800" b="1" dirty="0"/>
+                <a:t>682 m</a:t>
+              </a:r>
+            </a:p>
+          </p:txBody>
+        </p:sp>
+        <p:sp>
+          <p:nvSpPr>
+            <p:cNvPr id="133" name="Rectangle 132">
+              <a:extLst>
+                <a:ext uri="{FF2B5EF4-FFF2-40B4-BE49-F238E27FC236}">
+                  <a16:creationId xmlns:a16="http://schemas.microsoft.com/office/drawing/2014/main" id="{9F1D2F95-67B0-4F18-2CAD-149C2E07A683}"/>
+                </a:ext>
+              </a:extLst>
+            </p:cNvPr>
+            <p:cNvSpPr/>
+            <p:nvPr/>
+          </p:nvSpPr>
+          <p:spPr>
+            <a:xfrm>
+              <a:off x="7451572" y="3689178"/>
+              <a:ext cx="2342875" cy="214907"/>
+            </a:xfrm>
+            <a:prstGeom prst="rect">
+              <a:avLst/>
+            </a:prstGeom>
+          </p:spPr>
+          <p:style>
+            <a:lnRef idx="2">
+              <a:schemeClr val="accent1">
+                <a:shade val="15000"/>
+              </a:schemeClr>
+            </a:lnRef>
+            <a:fillRef idx="1">
+              <a:schemeClr val="accent1"/>
+            </a:fillRef>
+            <a:effectRef idx="0">
+              <a:schemeClr val="accent1"/>
+            </a:effectRef>
+            <a:fontRef idx="minor">
+              <a:schemeClr val="lt1"/>
+            </a:fontRef>
+          </p:style>
+          <p:txBody>
+            <a:bodyPr rtlCol="0" anchor="ctr"/>
+            <a:lstStyle/>
+            <a:p>
+              <a:pPr algn="ctr"/>
+              <a:r>
+                <a:rPr lang="en-US" dirty="0"/>
+                <a:t>Legend</a:t>
+              </a:r>
+            </a:p>
+          </p:txBody>
+        </p:sp>
+        <p:sp>
+          <p:nvSpPr>
+            <p:cNvPr id="135" name="Oval 134">
+              <a:extLst>
+                <a:ext uri="{FF2B5EF4-FFF2-40B4-BE49-F238E27FC236}">
+                  <a16:creationId xmlns:a16="http://schemas.microsoft.com/office/drawing/2014/main" id="{9F4628C5-F128-F2E0-E415-F60B15CD3667}"/>
+                </a:ext>
+              </a:extLst>
+            </p:cNvPr>
+            <p:cNvSpPr/>
+            <p:nvPr/>
+          </p:nvSpPr>
+          <p:spPr>
+            <a:xfrm>
+              <a:off x="7517485" y="3981600"/>
+              <a:ext cx="209541" cy="236375"/>
+            </a:xfrm>
+            <a:prstGeom prst="ellipse">
+              <a:avLst/>
+            </a:prstGeom>
+          </p:spPr>
+          <p:style>
+            <a:lnRef idx="2">
+              <a:schemeClr val="accent1">
+                <a:shade val="15000"/>
+              </a:schemeClr>
+            </a:lnRef>
+            <a:fillRef idx="1">
+              <a:schemeClr val="accent1"/>
+            </a:fillRef>
+            <a:effectRef idx="0">
+              <a:schemeClr val="accent1"/>
+            </a:effectRef>
+            <a:fontRef idx="minor">
+              <a:schemeClr val="lt1"/>
+            </a:fontRef>
+          </p:style>
+          <p:txBody>
+            <a:bodyPr rtlCol="0" anchor="ctr"/>
+            <a:lstStyle/>
+            <a:p>
+              <a:pPr algn="ctr"/>
+              <a:r>
+                <a:rPr lang="en-US" dirty="0"/>
+                <a:t>V</a:t>
+              </a:r>
+            </a:p>
+          </p:txBody>
+        </p:sp>
+        <p:sp>
+          <p:nvSpPr>
+            <p:cNvPr id="136" name="TextBox 135">
+              <a:extLst>
+                <a:ext uri="{FF2B5EF4-FFF2-40B4-BE49-F238E27FC236}">
+                  <a16:creationId xmlns:a16="http://schemas.microsoft.com/office/drawing/2014/main" id="{498DEA65-FF42-F735-98C0-7C095A7C39DC}"/>
+                </a:ext>
+              </a:extLst>
+            </p:cNvPr>
+            <p:cNvSpPr txBox="1"/>
+            <p:nvPr/>
+          </p:nvSpPr>
+          <p:spPr>
+            <a:xfrm>
+              <a:off x="7699722" y="3968153"/>
+              <a:ext cx="1791605" cy="276999"/>
+            </a:xfrm>
+            <a:prstGeom prst="rect">
+              <a:avLst/>
+            </a:prstGeom>
+            <a:noFill/>
+          </p:spPr>
+          <p:txBody>
+            <a:bodyPr wrap="square" rtlCol="0">
+              <a:spAutoFit/>
+            </a:bodyPr>
+            <a:lstStyle/>
+            <a:p>
+              <a:r>
+                <a:rPr lang="en-US" sz="1200" dirty="0"/>
+                <a:t>Air Velocity Sensor</a:t>
+              </a:r>
+            </a:p>
+          </p:txBody>
+        </p:sp>
+        <p:sp>
+          <p:nvSpPr>
+            <p:cNvPr id="137" name="Oval 136">
+              <a:extLst>
+                <a:ext uri="{FF2B5EF4-FFF2-40B4-BE49-F238E27FC236}">
+                  <a16:creationId xmlns:a16="http://schemas.microsoft.com/office/drawing/2014/main" id="{38C89948-877C-2A67-F0B5-A6DB7D657E38}"/>
+                </a:ext>
+              </a:extLst>
+            </p:cNvPr>
+            <p:cNvSpPr/>
+            <p:nvPr/>
+          </p:nvSpPr>
+          <p:spPr>
+            <a:xfrm>
+              <a:off x="7507587" y="4268400"/>
+              <a:ext cx="209541" cy="236375"/>
+            </a:xfrm>
+            <a:prstGeom prst="ellipse">
+              <a:avLst/>
+            </a:prstGeom>
+          </p:spPr>
+          <p:style>
+            <a:lnRef idx="2">
+              <a:schemeClr val="accent1">
+                <a:shade val="15000"/>
+              </a:schemeClr>
+            </a:lnRef>
+            <a:fillRef idx="1">
+              <a:schemeClr val="accent1"/>
+            </a:fillRef>
+            <a:effectRef idx="0">
+              <a:schemeClr val="accent1"/>
+            </a:effectRef>
+            <a:fontRef idx="minor">
+              <a:schemeClr val="lt1"/>
+            </a:fontRef>
+          </p:style>
+          <p:txBody>
+            <a:bodyPr rtlCol="0" anchor="ctr"/>
+            <a:lstStyle/>
+            <a:p>
+              <a:pPr algn="ctr"/>
+              <a:r>
+                <a:rPr lang="en-US" dirty="0"/>
+                <a:t>T</a:t>
+              </a:r>
+            </a:p>
+          </p:txBody>
+        </p:sp>
+        <p:sp>
+          <p:nvSpPr>
+            <p:cNvPr id="138" name="TextBox 137">
+              <a:extLst>
+                <a:ext uri="{FF2B5EF4-FFF2-40B4-BE49-F238E27FC236}">
+                  <a16:creationId xmlns:a16="http://schemas.microsoft.com/office/drawing/2014/main" id="{FDB51C73-3CDA-6A6B-950B-4881A2FE95FA}"/>
+                </a:ext>
+              </a:extLst>
+            </p:cNvPr>
+            <p:cNvSpPr txBox="1"/>
+            <p:nvPr/>
+          </p:nvSpPr>
+          <p:spPr>
+            <a:xfrm>
+              <a:off x="7689824" y="4254953"/>
+              <a:ext cx="1791605" cy="276999"/>
+            </a:xfrm>
+            <a:prstGeom prst="rect">
+              <a:avLst/>
+            </a:prstGeom>
+            <a:noFill/>
+          </p:spPr>
+          <p:txBody>
+            <a:bodyPr wrap="square" rtlCol="0">
+              <a:spAutoFit/>
+            </a:bodyPr>
+            <a:lstStyle/>
+            <a:p>
+              <a:r>
+                <a:rPr lang="en-US" sz="1200" dirty="0"/>
+                <a:t>Air Temperature Sensor</a:t>
+              </a:r>
+            </a:p>
+          </p:txBody>
+        </p:sp>
+        <p:cxnSp>
+          <p:nvCxnSpPr>
+            <p:cNvPr id="140" name="Straight Connector 139">
+              <a:extLst>
+                <a:ext uri="{FF2B5EF4-FFF2-40B4-BE49-F238E27FC236}">
+                  <a16:creationId xmlns:a16="http://schemas.microsoft.com/office/drawing/2014/main" id="{A9A7C138-335B-934F-0230-74496FD436C6}"/>
+                </a:ext>
+              </a:extLst>
+            </p:cNvPr>
+            <p:cNvCxnSpPr>
+              <a:cxnSpLocks/>
+            </p:cNvCxnSpPr>
+            <p:nvPr/>
+          </p:nvCxnSpPr>
+          <p:spPr>
+            <a:xfrm>
+              <a:off x="3784972" y="5040019"/>
+              <a:ext cx="0" cy="323850"/>
+            </a:xfrm>
+            <a:prstGeom prst="line">
+              <a:avLst/>
+            </a:prstGeom>
+          </p:spPr>
+          <p:style>
+            <a:lnRef idx="2">
+              <a:schemeClr val="dk1"/>
+            </a:lnRef>
+            <a:fillRef idx="0">
+              <a:schemeClr val="dk1"/>
+            </a:fillRef>
+            <a:effectRef idx="1">
+              <a:schemeClr val="dk1"/>
+            </a:effectRef>
+            <a:fontRef idx="minor">
+              <a:schemeClr val="tx1"/>
+            </a:fontRef>
+          </p:style>
+        </p:cxnSp>
+        <p:cxnSp>
+          <p:nvCxnSpPr>
+            <p:cNvPr id="141" name="Straight Connector 140">
+              <a:extLst>
+                <a:ext uri="{FF2B5EF4-FFF2-40B4-BE49-F238E27FC236}">
+                  <a16:creationId xmlns:a16="http://schemas.microsoft.com/office/drawing/2014/main" id="{1DD7CB53-93E5-0A2A-5167-7D46C5863F1A}"/>
+                </a:ext>
+              </a:extLst>
+            </p:cNvPr>
+            <p:cNvCxnSpPr>
+              <a:cxnSpLocks/>
+            </p:cNvCxnSpPr>
+            <p:nvPr/>
+          </p:nvCxnSpPr>
+          <p:spPr>
+            <a:xfrm>
+              <a:off x="4226271" y="5033232"/>
+              <a:ext cx="0" cy="323850"/>
+            </a:xfrm>
+            <a:prstGeom prst="line">
+              <a:avLst/>
+            </a:prstGeom>
+          </p:spPr>
+          <p:style>
+            <a:lnRef idx="2">
+              <a:schemeClr val="dk1"/>
+            </a:lnRef>
+            <a:fillRef idx="0">
+              <a:schemeClr val="dk1"/>
+            </a:fillRef>
+            <a:effectRef idx="1">
+              <a:schemeClr val="dk1"/>
+            </a:effectRef>
+            <a:fontRef idx="minor">
+              <a:schemeClr val="tx1"/>
+            </a:fontRef>
+          </p:style>
+        </p:cxnSp>
+        <p:cxnSp>
+          <p:nvCxnSpPr>
+            <p:cNvPr id="142" name="Straight Connector 141">
+              <a:extLst>
+                <a:ext uri="{FF2B5EF4-FFF2-40B4-BE49-F238E27FC236}">
+                  <a16:creationId xmlns:a16="http://schemas.microsoft.com/office/drawing/2014/main" id="{EA74DC6E-7167-3FC4-EFD7-2554B0A86D65}"/>
+                </a:ext>
+              </a:extLst>
+            </p:cNvPr>
+            <p:cNvCxnSpPr>
+              <a:cxnSpLocks/>
+            </p:cNvCxnSpPr>
+            <p:nvPr/>
+          </p:nvCxnSpPr>
+          <p:spPr>
+            <a:xfrm>
+              <a:off x="4521546" y="5023706"/>
+              <a:ext cx="0" cy="323850"/>
+            </a:xfrm>
+            <a:prstGeom prst="line">
+              <a:avLst/>
+            </a:prstGeom>
+          </p:spPr>
+          <p:style>
+            <a:lnRef idx="2">
+              <a:schemeClr val="dk1"/>
+            </a:lnRef>
+            <a:fillRef idx="0">
+              <a:schemeClr val="dk1"/>
+            </a:fillRef>
+            <a:effectRef idx="1">
+              <a:schemeClr val="dk1"/>
+            </a:effectRef>
+            <a:fontRef idx="minor">
+              <a:schemeClr val="tx1"/>
+            </a:fontRef>
+          </p:style>
+        </p:cxnSp>
+        <p:cxnSp>
+          <p:nvCxnSpPr>
+            <p:cNvPr id="143" name="Straight Connector 142">
+              <a:extLst>
+                <a:ext uri="{FF2B5EF4-FFF2-40B4-BE49-F238E27FC236}">
+                  <a16:creationId xmlns:a16="http://schemas.microsoft.com/office/drawing/2014/main" id="{2DD16A43-9908-056F-CE54-34331D786D23}"/>
+                </a:ext>
+              </a:extLst>
+            </p:cNvPr>
+            <p:cNvCxnSpPr>
+              <a:cxnSpLocks/>
+            </p:cNvCxnSpPr>
+            <p:nvPr/>
+          </p:nvCxnSpPr>
+          <p:spPr>
+            <a:xfrm>
+              <a:off x="4827746" y="5030701"/>
+              <a:ext cx="0" cy="323850"/>
+            </a:xfrm>
+            <a:prstGeom prst="line">
+              <a:avLst/>
+            </a:prstGeom>
+          </p:spPr>
+          <p:style>
+            <a:lnRef idx="2">
+              <a:schemeClr val="dk1"/>
+            </a:lnRef>
+            <a:fillRef idx="0">
+              <a:schemeClr val="dk1"/>
+            </a:fillRef>
+            <a:effectRef idx="1">
+              <a:schemeClr val="dk1"/>
+            </a:effectRef>
+            <a:fontRef idx="minor">
+              <a:schemeClr val="tx1"/>
+            </a:fontRef>
+          </p:style>
+        </p:cxnSp>
+        <p:cxnSp>
+          <p:nvCxnSpPr>
+            <p:cNvPr id="144" name="Straight Connector 143">
+              <a:extLst>
+                <a:ext uri="{FF2B5EF4-FFF2-40B4-BE49-F238E27FC236}">
+                  <a16:creationId xmlns:a16="http://schemas.microsoft.com/office/drawing/2014/main" id="{2A407BE7-2F8A-F656-1E3C-7C2D96B62E2D}"/>
+                </a:ext>
+              </a:extLst>
+            </p:cNvPr>
+            <p:cNvCxnSpPr>
+              <a:cxnSpLocks/>
+            </p:cNvCxnSpPr>
+            <p:nvPr/>
+          </p:nvCxnSpPr>
+          <p:spPr>
+            <a:xfrm>
+              <a:off x="5246846" y="5023706"/>
+              <a:ext cx="0" cy="323850"/>
+            </a:xfrm>
+            <a:prstGeom prst="line">
+              <a:avLst/>
+            </a:prstGeom>
+          </p:spPr>
+          <p:style>
+            <a:lnRef idx="2">
+              <a:schemeClr val="dk1"/>
+            </a:lnRef>
+            <a:fillRef idx="0">
+              <a:schemeClr val="dk1"/>
+            </a:fillRef>
+            <a:effectRef idx="1">
+              <a:schemeClr val="dk1"/>
+            </a:effectRef>
+            <a:fontRef idx="minor">
+              <a:schemeClr val="tx1"/>
+            </a:fontRef>
+          </p:style>
+        </p:cxnSp>
+        <p:cxnSp>
+          <p:nvCxnSpPr>
+            <p:cNvPr id="145" name="Straight Connector 144">
+              <a:extLst>
+                <a:ext uri="{FF2B5EF4-FFF2-40B4-BE49-F238E27FC236}">
+                  <a16:creationId xmlns:a16="http://schemas.microsoft.com/office/drawing/2014/main" id="{0AFE73F3-47E7-9AE3-52C9-6E9FDAA59827}"/>
+                </a:ext>
+              </a:extLst>
+            </p:cNvPr>
+            <p:cNvCxnSpPr>
+              <a:cxnSpLocks/>
+            </p:cNvCxnSpPr>
+            <p:nvPr/>
+          </p:nvCxnSpPr>
+          <p:spPr>
+            <a:xfrm>
+              <a:off x="6142196" y="5018943"/>
+              <a:ext cx="0" cy="323850"/>
+            </a:xfrm>
+            <a:prstGeom prst="line">
+              <a:avLst/>
+            </a:prstGeom>
+          </p:spPr>
+          <p:style>
+            <a:lnRef idx="2">
+              <a:schemeClr val="dk1"/>
+            </a:lnRef>
+            <a:fillRef idx="0">
+              <a:schemeClr val="dk1"/>
+            </a:fillRef>
+            <a:effectRef idx="1">
+              <a:schemeClr val="dk1"/>
+            </a:effectRef>
+            <a:fontRef idx="minor">
+              <a:schemeClr val="tx1"/>
+            </a:fontRef>
+          </p:style>
+        </p:cxnSp>
+        <p:sp>
+          <p:nvSpPr>
+            <p:cNvPr id="2" name="Rectangle 1">
+              <a:extLst>
+                <a:ext uri="{FF2B5EF4-FFF2-40B4-BE49-F238E27FC236}">
+                  <a16:creationId xmlns:a16="http://schemas.microsoft.com/office/drawing/2014/main" id="{5216DF9E-536B-D4D0-A8DB-0FF2E0FAECB9}"/>
+                </a:ext>
+              </a:extLst>
+            </p:cNvPr>
+            <p:cNvSpPr/>
+            <p:nvPr/>
+          </p:nvSpPr>
+          <p:spPr>
+            <a:xfrm>
+              <a:off x="2648537" y="3689178"/>
+              <a:ext cx="3809409" cy="1319288"/>
+            </a:xfrm>
+            <a:prstGeom prst="rect">
+              <a:avLst/>
+            </a:prstGeom>
+            <a:solidFill>
+              <a:srgbClr val="FF0000">
+                <a:alpha val="34902"/>
+              </a:srgbClr>
+            </a:solidFill>
+            <a:ln>
+              <a:solidFill>
+                <a:srgbClr val="F30D0D">
+                  <a:alpha val="34902"/>
+                </a:srgbClr>
+              </a:solidFill>
+            </a:ln>
+          </p:spPr>
+          <p:style>
+            <a:lnRef idx="2">
+              <a:schemeClr val="accent1">
+                <a:shade val="15000"/>
+              </a:schemeClr>
+            </a:lnRef>
+            <a:fillRef idx="1">
+              <a:schemeClr val="accent1"/>
+            </a:fillRef>
+            <a:effectRef idx="0">
+              <a:schemeClr val="accent1"/>
+            </a:effectRef>
+            <a:fontRef idx="minor">
+              <a:schemeClr val="lt1"/>
+            </a:fontRef>
+          </p:style>
+          <p:txBody>
+            <a:bodyPr rtlCol="0" anchor="ctr"/>
+            <a:lstStyle/>
+            <a:p>
+              <a:pPr algn="ctr"/>
+              <a:endParaRPr lang="en-US"/>
+            </a:p>
+          </p:txBody>
+        </p:sp>
+        <p:cxnSp>
+          <p:nvCxnSpPr>
+            <p:cNvPr id="3" name="Straight Arrow Connector 2">
+              <a:extLst>
+                <a:ext uri="{FF2B5EF4-FFF2-40B4-BE49-F238E27FC236}">
+                  <a16:creationId xmlns:a16="http://schemas.microsoft.com/office/drawing/2014/main" id="{E1E22646-E605-32E5-74FA-A10AE068B749}"/>
+                </a:ext>
+              </a:extLst>
+            </p:cNvPr>
+            <p:cNvCxnSpPr>
+              <a:cxnSpLocks/>
+            </p:cNvCxnSpPr>
+            <p:nvPr/>
+          </p:nvCxnSpPr>
+          <p:spPr>
+            <a:xfrm>
+              <a:off x="2640040" y="3604582"/>
+              <a:ext cx="3849660" cy="0"/>
+            </a:xfrm>
+            <a:prstGeom prst="straightConnector1">
+              <a:avLst/>
+            </a:prstGeom>
+            <a:ln w="12700">
+              <a:headEnd type="triangle" w="med" len="med"/>
+              <a:tailEnd type="triangle" w="med" len="med"/>
+            </a:ln>
+          </p:spPr>
+          <p:style>
+            <a:lnRef idx="2">
+              <a:schemeClr val="dk1"/>
+            </a:lnRef>
+            <a:fillRef idx="0">
+              <a:schemeClr val="dk1"/>
+            </a:fillRef>
+            <a:effectRef idx="1">
+              <a:schemeClr val="dk1"/>
+            </a:effectRef>
+            <a:fontRef idx="minor">
+              <a:schemeClr val="tx1"/>
+            </a:fontRef>
+          </p:style>
+        </p:cxnSp>
+        <p:sp>
+          <p:nvSpPr>
+            <p:cNvPr id="7" name="TextBox 6">
+              <a:extLst>
+                <a:ext uri="{FF2B5EF4-FFF2-40B4-BE49-F238E27FC236}">
+                  <a16:creationId xmlns:a16="http://schemas.microsoft.com/office/drawing/2014/main" id="{0D2742EE-1DC8-6709-8196-2CD81EC535E9}"/>
+                </a:ext>
+              </a:extLst>
+            </p:cNvPr>
+            <p:cNvSpPr txBox="1"/>
+            <p:nvPr/>
+          </p:nvSpPr>
+          <p:spPr>
+            <a:xfrm>
+              <a:off x="3901395" y="3358200"/>
+              <a:ext cx="1181145" cy="276999"/>
+            </a:xfrm>
+            <a:prstGeom prst="rect">
+              <a:avLst/>
+            </a:prstGeom>
+            <a:noFill/>
+          </p:spPr>
+          <p:txBody>
+            <a:bodyPr wrap="square" rtlCol="0">
+              <a:spAutoFit/>
+            </a:bodyPr>
+            <a:lstStyle/>
+            <a:p>
+              <a:pPr algn="ctr"/>
+              <a:r>
+                <a:rPr lang="en-US" sz="1200" dirty="0"/>
+                <a:t>Fire Zone</a:t>
+              </a:r>
+            </a:p>
+          </p:txBody>
+        </p:sp>
+      </p:grpSp>
+    </p:spTree>
+    <p:extLst>
+      <p:ext uri="{BB962C8B-B14F-4D97-AF65-F5344CB8AC3E}">
+        <p14:creationId xmlns:p14="http://schemas.microsoft.com/office/powerpoint/2010/main" val="3424265343"/>
+      </p:ext>
+    </p:extLst>
+  </p:cSld>
+  <p:clrMapOvr>
+    <a:masterClrMapping/>
+  </p:clrMapOvr>
+</p:sld>
+</file>
+
 <file path=ppt/theme/theme1.xml><?xml version="1.0" encoding="utf-8"?>
 <a:theme xmlns:a="http://schemas.openxmlformats.org/drawingml/2006/main" name="Office Theme">
   <a:themeElements>
